--- a/포트폴리오/C#/로또 번호 추첨기 프로그램/로또 번호 추첨기 - 양화영.pptx
+++ b/포트폴리오/C#/로또 번호 추첨기 프로그램/로또 번호 추첨기 - 양화영.pptx
@@ -22,6 +22,7 @@
     <p:sldId id="275" r:id="rId16"/>
     <p:sldId id="276" r:id="rId17"/>
     <p:sldId id="277" r:id="rId18"/>
+    <p:sldId id="279" r:id="rId19"/>
   </p:sldIdLst>
   <p:sldSz cx="12192000" cy="6858000"/>
   <p:notesSz cx="6858000" cy="9144000"/>
@@ -293,7 +294,7 @@
                 </a:solidFill>
               </a:rPr>
               <a:pPr/>
-              <a:t>2021-04-19</a:t>
+              <a:t>2021-05-05</a:t>
             </a:fld>
             <a:endParaRPr lang="ko-KR" altLang="en-US">
               <a:solidFill>
@@ -523,7 +524,7 @@
                 </a:solidFill>
               </a:rPr>
               <a:pPr/>
-              <a:t>2021-04-19</a:t>
+              <a:t>2021-05-05</a:t>
             </a:fld>
             <a:endParaRPr lang="ko-KR" altLang="en-US">
               <a:solidFill>
@@ -763,7 +764,7 @@
                 </a:solidFill>
               </a:rPr>
               <a:pPr/>
-              <a:t>2021-04-19</a:t>
+              <a:t>2021-05-05</a:t>
             </a:fld>
             <a:endParaRPr lang="ko-KR" altLang="en-US">
               <a:solidFill>
@@ -993,7 +994,7 @@
                 </a:solidFill>
               </a:rPr>
               <a:pPr/>
-              <a:t>2021-04-19</a:t>
+              <a:t>2021-05-05</a:t>
             </a:fld>
             <a:endParaRPr lang="ko-KR" altLang="en-US">
               <a:solidFill>
@@ -1300,7 +1301,7 @@
                 </a:solidFill>
               </a:rPr>
               <a:pPr/>
-              <a:t>2021-04-19</a:t>
+              <a:t>2021-05-05</a:t>
             </a:fld>
             <a:endParaRPr lang="ko-KR" altLang="en-US">
               <a:solidFill>
@@ -1597,7 +1598,7 @@
                 </a:solidFill>
               </a:rPr>
               <a:pPr/>
-              <a:t>2021-04-19</a:t>
+              <a:t>2021-05-05</a:t>
             </a:fld>
             <a:endParaRPr lang="ko-KR" altLang="en-US">
               <a:solidFill>
@@ -2041,7 +2042,7 @@
                 </a:solidFill>
               </a:rPr>
               <a:pPr/>
-              <a:t>2021-04-19</a:t>
+              <a:t>2021-05-05</a:t>
             </a:fld>
             <a:endParaRPr lang="ko-KR" altLang="en-US">
               <a:solidFill>
@@ -2214,7 +2215,7 @@
                 </a:solidFill>
               </a:rPr>
               <a:pPr/>
-              <a:t>2021-04-19</a:t>
+              <a:t>2021-05-05</a:t>
             </a:fld>
             <a:endParaRPr lang="ko-KR" altLang="en-US">
               <a:solidFill>
@@ -2359,7 +2360,7 @@
                 </a:solidFill>
               </a:rPr>
               <a:pPr/>
-              <a:t>2021-04-19</a:t>
+              <a:t>2021-05-05</a:t>
             </a:fld>
             <a:endParaRPr lang="ko-KR" altLang="en-US">
               <a:solidFill>
@@ -2702,7 +2703,7 @@
                 </a:solidFill>
               </a:rPr>
               <a:pPr/>
-              <a:t>2021-04-19</a:t>
+              <a:t>2021-05-05</a:t>
             </a:fld>
             <a:endParaRPr lang="ko-KR" altLang="en-US">
               <a:solidFill>
@@ -3022,7 +3023,7 @@
                 </a:solidFill>
               </a:rPr>
               <a:pPr/>
-              <a:t>2021-04-19</a:t>
+              <a:t>2021-05-05</a:t>
             </a:fld>
             <a:endParaRPr lang="ko-KR" altLang="en-US">
               <a:solidFill>
@@ -3295,7 +3296,7 @@
                 </a:solidFill>
               </a:rPr>
               <a:pPr/>
-              <a:t>2021-04-19</a:t>
+              <a:t>2021-05-05</a:t>
             </a:fld>
             <a:endParaRPr lang="ko-KR" altLang="en-US">
               <a:solidFill>
@@ -11406,6 +11407,1625 @@
               <a:defRPr/>
             </a:pPr>
             <a:r>
+              <a:rPr lang="ko-KR" altLang="en-US" sz="2000" b="1" i="1" kern="0" dirty="0" smtClean="0">
+                <a:solidFill>
+                  <a:srgbClr val="5B6176"/>
+                </a:solidFill>
+              </a:rPr>
+              <a:t>프로그램 고찰</a:t>
+            </a:r>
+            <a:endParaRPr lang="ko-KR" altLang="en-US" sz="4800" kern="0" dirty="0">
+              <a:solidFill>
+                <a:srgbClr val="5B6176"/>
+              </a:solidFill>
+            </a:endParaRPr>
+          </a:p>
+        </p:txBody>
+      </p:sp>
+      <p:sp>
+        <p:nvSpPr>
+          <p:cNvPr id="10" name="타원 9"/>
+          <p:cNvSpPr/>
+          <p:nvPr/>
+        </p:nvSpPr>
+        <p:spPr>
+          <a:xfrm>
+            <a:off x="10614561" y="687779"/>
+            <a:ext cx="191983" cy="191983"/>
+          </a:xfrm>
+          <a:prstGeom prst="ellipse">
+            <a:avLst/>
+          </a:prstGeom>
+          <a:solidFill>
+            <a:schemeClr val="bg1"/>
+          </a:solidFill>
+          <a:ln w="38100">
+            <a:solidFill>
+              <a:srgbClr val="5B6176"/>
+            </a:solidFill>
+          </a:ln>
+        </p:spPr>
+        <p:style>
+          <a:lnRef idx="2">
+            <a:schemeClr val="accent1">
+              <a:shade val="50000"/>
+            </a:schemeClr>
+          </a:lnRef>
+          <a:fillRef idx="1">
+            <a:schemeClr val="accent1"/>
+          </a:fillRef>
+          <a:effectRef idx="0">
+            <a:schemeClr val="accent1"/>
+          </a:effectRef>
+          <a:fontRef idx="minor">
+            <a:schemeClr val="lt1"/>
+          </a:fontRef>
+        </p:style>
+        <p:txBody>
+          <a:bodyPr rtlCol="0" anchor="ctr"/>
+          <a:lstStyle/>
+          <a:p>
+            <a:pPr algn="ctr"/>
+            <a:endParaRPr lang="ko-KR" altLang="en-US">
+              <a:solidFill>
+                <a:prstClr val="white"/>
+              </a:solidFill>
+            </a:endParaRPr>
+          </a:p>
+        </p:txBody>
+      </p:sp>
+      <p:sp>
+        <p:nvSpPr>
+          <p:cNvPr id="11" name="타원 10"/>
+          <p:cNvSpPr/>
+          <p:nvPr/>
+        </p:nvSpPr>
+        <p:spPr>
+          <a:xfrm>
+            <a:off x="10924140" y="687778"/>
+            <a:ext cx="191983" cy="191983"/>
+          </a:xfrm>
+          <a:prstGeom prst="ellipse">
+            <a:avLst/>
+          </a:prstGeom>
+          <a:solidFill>
+            <a:schemeClr val="bg1"/>
+          </a:solidFill>
+          <a:ln w="38100">
+            <a:solidFill>
+              <a:srgbClr val="5B6176"/>
+            </a:solidFill>
+          </a:ln>
+        </p:spPr>
+        <p:style>
+          <a:lnRef idx="2">
+            <a:schemeClr val="accent1">
+              <a:shade val="50000"/>
+            </a:schemeClr>
+          </a:lnRef>
+          <a:fillRef idx="1">
+            <a:schemeClr val="accent1"/>
+          </a:fillRef>
+          <a:effectRef idx="0">
+            <a:schemeClr val="accent1"/>
+          </a:effectRef>
+          <a:fontRef idx="minor">
+            <a:schemeClr val="lt1"/>
+          </a:fontRef>
+        </p:style>
+        <p:txBody>
+          <a:bodyPr rtlCol="0" anchor="ctr"/>
+          <a:lstStyle/>
+          <a:p>
+            <a:pPr algn="ctr"/>
+            <a:endParaRPr lang="ko-KR" altLang="en-US">
+              <a:solidFill>
+                <a:prstClr val="white"/>
+              </a:solidFill>
+            </a:endParaRPr>
+          </a:p>
+        </p:txBody>
+      </p:sp>
+      <p:sp>
+        <p:nvSpPr>
+          <p:cNvPr id="12" name="타원 11"/>
+          <p:cNvSpPr/>
+          <p:nvPr/>
+        </p:nvSpPr>
+        <p:spPr>
+          <a:xfrm>
+            <a:off x="11233719" y="687777"/>
+            <a:ext cx="191983" cy="191983"/>
+          </a:xfrm>
+          <a:prstGeom prst="ellipse">
+            <a:avLst/>
+          </a:prstGeom>
+          <a:solidFill>
+            <a:schemeClr val="bg1"/>
+          </a:solidFill>
+          <a:ln w="38100">
+            <a:solidFill>
+              <a:srgbClr val="5B6176"/>
+            </a:solidFill>
+          </a:ln>
+        </p:spPr>
+        <p:style>
+          <a:lnRef idx="2">
+            <a:schemeClr val="accent1">
+              <a:shade val="50000"/>
+            </a:schemeClr>
+          </a:lnRef>
+          <a:fillRef idx="1">
+            <a:schemeClr val="accent1"/>
+          </a:fillRef>
+          <a:effectRef idx="0">
+            <a:schemeClr val="accent1"/>
+          </a:effectRef>
+          <a:fontRef idx="minor">
+            <a:schemeClr val="lt1"/>
+          </a:fontRef>
+        </p:style>
+        <p:txBody>
+          <a:bodyPr rtlCol="0" anchor="ctr"/>
+          <a:lstStyle/>
+          <a:p>
+            <a:pPr algn="ctr"/>
+            <a:endParaRPr lang="ko-KR" altLang="en-US">
+              <a:solidFill>
+                <a:prstClr val="white"/>
+              </a:solidFill>
+            </a:endParaRPr>
+          </a:p>
+        </p:txBody>
+      </p:sp>
+      <p:cxnSp>
+        <p:nvCxnSpPr>
+          <p:cNvPr id="18" name="직선 연결선 17"/>
+          <p:cNvCxnSpPr>
+            <a:stCxn id="36" idx="3"/>
+          </p:cNvCxnSpPr>
+          <p:nvPr/>
+        </p:nvCxnSpPr>
+        <p:spPr>
+          <a:xfrm>
+            <a:off x="2819000" y="251691"/>
+            <a:ext cx="8951680" cy="0"/>
+          </a:xfrm>
+          <a:prstGeom prst="line">
+            <a:avLst/>
+          </a:prstGeom>
+          <a:ln w="22225">
+            <a:solidFill>
+              <a:srgbClr val="5B6176"/>
+            </a:solidFill>
+          </a:ln>
+        </p:spPr>
+        <p:style>
+          <a:lnRef idx="1">
+            <a:schemeClr val="accent1"/>
+          </a:lnRef>
+          <a:fillRef idx="0">
+            <a:schemeClr val="accent1"/>
+          </a:fillRef>
+          <a:effectRef idx="0">
+            <a:schemeClr val="accent1"/>
+          </a:effectRef>
+          <a:fontRef idx="minor">
+            <a:schemeClr val="tx1"/>
+          </a:fontRef>
+        </p:style>
+      </p:cxnSp>
+      <p:grpSp>
+        <p:nvGrpSpPr>
+          <p:cNvPr id="35" name="그룹 34"/>
+          <p:cNvGrpSpPr/>
+          <p:nvPr/>
+        </p:nvGrpSpPr>
+        <p:grpSpPr>
+          <a:xfrm>
+            <a:off x="1261832" y="140963"/>
+            <a:ext cx="1557168" cy="221456"/>
+            <a:chOff x="657081" y="133819"/>
+            <a:chExt cx="1557168" cy="221456"/>
+          </a:xfrm>
+        </p:grpSpPr>
+        <p:sp>
+          <p:nvSpPr>
+            <p:cNvPr id="36" name="직사각형 35"/>
+            <p:cNvSpPr/>
+            <p:nvPr/>
+          </p:nvSpPr>
+          <p:spPr>
+            <a:xfrm>
+              <a:off x="813522" y="133819"/>
+              <a:ext cx="1400727" cy="221456"/>
+            </a:xfrm>
+            <a:prstGeom prst="rect">
+              <a:avLst/>
+            </a:prstGeom>
+            <a:noFill/>
+            <a:ln>
+              <a:noFill/>
+            </a:ln>
+          </p:spPr>
+          <p:style>
+            <a:lnRef idx="2">
+              <a:schemeClr val="accent1">
+                <a:shade val="50000"/>
+              </a:schemeClr>
+            </a:lnRef>
+            <a:fillRef idx="1">
+              <a:schemeClr val="accent1"/>
+            </a:fillRef>
+            <a:effectRef idx="0">
+              <a:schemeClr val="accent1"/>
+            </a:effectRef>
+            <a:fontRef idx="minor">
+              <a:schemeClr val="lt1"/>
+            </a:fontRef>
+          </p:style>
+          <p:txBody>
+            <a:bodyPr wrap="none" rtlCol="0" anchor="ctr"/>
+            <a:lstStyle/>
+            <a:p>
+              <a:pPr latinLnBrk="0">
+                <a:defRPr/>
+              </a:pPr>
+              <a:r>
+                <a:rPr lang="ko-KR" altLang="en-US" sz="900" kern="0" dirty="0">
+                  <a:solidFill>
+                    <a:srgbClr val="FF6600"/>
+                  </a:solidFill>
+                </a:rPr>
+                <a:t>혹시 아나요 내가 될지</a:t>
+              </a:r>
+              <a:endParaRPr lang="ko-KR" altLang="en-US" sz="4800" kern="0" dirty="0">
+                <a:solidFill>
+                  <a:srgbClr val="FF6600"/>
+                </a:solidFill>
+              </a:endParaRPr>
+            </a:p>
+          </p:txBody>
+        </p:sp>
+        <p:sp>
+          <p:nvSpPr>
+            <p:cNvPr id="37" name="타원 36"/>
+            <p:cNvSpPr/>
+            <p:nvPr/>
+          </p:nvSpPr>
+          <p:spPr>
+            <a:xfrm>
+              <a:off x="657081" y="159183"/>
+              <a:ext cx="175491" cy="175491"/>
+            </a:xfrm>
+            <a:prstGeom prst="ellipse">
+              <a:avLst/>
+            </a:prstGeom>
+            <a:solidFill>
+              <a:schemeClr val="bg1"/>
+            </a:solidFill>
+            <a:ln w="38100">
+              <a:solidFill>
+                <a:srgbClr val="FF6600"/>
+              </a:solidFill>
+            </a:ln>
+          </p:spPr>
+          <p:style>
+            <a:lnRef idx="2">
+              <a:schemeClr val="accent1">
+                <a:shade val="50000"/>
+              </a:schemeClr>
+            </a:lnRef>
+            <a:fillRef idx="1">
+              <a:schemeClr val="accent1"/>
+            </a:fillRef>
+            <a:effectRef idx="0">
+              <a:schemeClr val="accent1"/>
+            </a:effectRef>
+            <a:fontRef idx="minor">
+              <a:schemeClr val="lt1"/>
+            </a:fontRef>
+          </p:style>
+          <p:txBody>
+            <a:bodyPr rtlCol="0" anchor="ctr"/>
+            <a:lstStyle/>
+            <a:p>
+              <a:pPr algn="ctr"/>
+              <a:endParaRPr lang="ko-KR" altLang="en-US" sz="1400">
+                <a:solidFill>
+                  <a:prstClr val="white"/>
+                </a:solidFill>
+              </a:endParaRPr>
+            </a:p>
+          </p:txBody>
+        </p:sp>
+      </p:grpSp>
+      <p:graphicFrame>
+        <p:nvGraphicFramePr>
+          <p:cNvPr id="14" name="표 13"/>
+          <p:cNvGraphicFramePr>
+            <a:graphicFrameLocks noGrp="1"/>
+          </p:cNvGraphicFramePr>
+          <p:nvPr>
+            <p:extLst>
+              <p:ext uri="{D42A27DB-BD31-4B8C-83A1-F6EECF244321}">
+                <p14:modId xmlns:p14="http://schemas.microsoft.com/office/powerpoint/2010/main" val="2824292010"/>
+              </p:ext>
+            </p:extLst>
+          </p:nvPr>
+        </p:nvGraphicFramePr>
+        <p:xfrm>
+          <a:off x="4849239" y="2233153"/>
+          <a:ext cx="6486026" cy="2934058"/>
+        </p:xfrm>
+        <a:graphic>
+          <a:graphicData uri="http://schemas.openxmlformats.org/drawingml/2006/table">
+            <a:tbl>
+              <a:tblPr firstRow="1" bandRow="1">
+                <a:tableStyleId>{5C22544A-7EE6-4342-B048-85BDC9FD1C3A}</a:tableStyleId>
+              </a:tblPr>
+              <a:tblGrid>
+                <a:gridCol w="1853670"/>
+                <a:gridCol w="4632356"/>
+              </a:tblGrid>
+              <a:tr h="379945">
+                <a:tc>
+                  <a:txBody>
+                    <a:bodyPr/>
+                    <a:lstStyle/>
+                    <a:p>
+                      <a:pPr marL="0" marR="0" lvl="0" indent="0" algn="ctr" defTabSz="914400" rtl="0" eaLnBrk="1" fontAlgn="auto" latinLnBrk="1" hangingPunct="1">
+                        <a:lnSpc>
+                          <a:spcPct val="100000"/>
+                        </a:lnSpc>
+                        <a:spcBef>
+                          <a:spcPts val="0"/>
+                        </a:spcBef>
+                        <a:spcAft>
+                          <a:spcPts val="0"/>
+                        </a:spcAft>
+                        <a:buClrTx/>
+                        <a:buSzTx/>
+                        <a:buFontTx/>
+                        <a:buNone/>
+                        <a:tabLst/>
+                        <a:defRPr/>
+                      </a:pPr>
+                      <a:r>
+                        <a:rPr kumimoji="0" lang="ko-KR" altLang="en-US" sz="1400" b="1" i="0" u="none" strike="noStrike" kern="1200" cap="none" spc="0" normalizeH="0" baseline="0" noProof="0" dirty="0" smtClean="0">
+                          <a:ln>
+                            <a:noFill/>
+                          </a:ln>
+                          <a:solidFill>
+                            <a:prstClr val="white"/>
+                          </a:solidFill>
+                          <a:effectLst/>
+                          <a:uLnTx/>
+                          <a:uFillTx/>
+                          <a:latin typeface="+mn-lt"/>
+                          <a:ea typeface="+mn-ea"/>
+                          <a:cs typeface="+mn-cs"/>
+                        </a:rPr>
+                        <a:t>항목</a:t>
+                      </a:r>
+                      <a:endParaRPr kumimoji="0" lang="ko-KR" altLang="en-US" sz="1400" b="1" i="0" u="none" strike="noStrike" kern="1200" cap="none" spc="0" normalizeH="0" baseline="0" noProof="0" dirty="0" smtClean="0">
+                        <a:ln>
+                          <a:noFill/>
+                        </a:ln>
+                        <a:solidFill>
+                          <a:prstClr val="white"/>
+                        </a:solidFill>
+                        <a:effectLst/>
+                        <a:uLnTx/>
+                        <a:uFillTx/>
+                        <a:latin typeface="+mn-lt"/>
+                        <a:ea typeface="+mn-ea"/>
+                        <a:cs typeface="+mn-cs"/>
+                      </a:endParaRPr>
+                    </a:p>
+                  </a:txBody>
+                  <a:tcPr anchor="ctr">
+                    <a:lnL w="12700" cmpd="sng">
+                      <a:noFill/>
+                    </a:lnL>
+                    <a:lnR w="12700" cmpd="sng">
+                      <a:noFill/>
+                    </a:lnR>
+                    <a:lnT w="12700" cmpd="sng">
+                      <a:noFill/>
+                    </a:lnT>
+                    <a:lnB w="38100" cmpd="sng">
+                      <a:noFill/>
+                    </a:lnB>
+                    <a:lnTlToBr w="12700" cmpd="sng">
+                      <a:noFill/>
+                      <a:prstDash val="solid"/>
+                    </a:lnTlToBr>
+                    <a:lnBlToTr w="12700" cmpd="sng">
+                      <a:noFill/>
+                      <a:prstDash val="solid"/>
+                    </a:lnBlToTr>
+                    <a:solidFill>
+                      <a:schemeClr val="tx1">
+                        <a:lumMod val="75000"/>
+                        <a:lumOff val="25000"/>
+                      </a:schemeClr>
+                    </a:solidFill>
+                  </a:tcPr>
+                </a:tc>
+                <a:tc>
+                  <a:txBody>
+                    <a:bodyPr/>
+                    <a:lstStyle/>
+                    <a:p>
+                      <a:pPr algn="ctr" latinLnBrk="1"/>
+                      <a:r>
+                        <a:rPr lang="ko-KR" altLang="en-US" sz="1400" dirty="0" smtClean="0">
+                          <a:solidFill>
+                            <a:srgbClr val="5B6176"/>
+                          </a:solidFill>
+                        </a:rPr>
+                        <a:t>내용</a:t>
+                      </a:r>
+                      <a:endParaRPr lang="ko-KR" altLang="en-US" sz="1400" dirty="0">
+                        <a:solidFill>
+                          <a:srgbClr val="5B6176"/>
+                        </a:solidFill>
+                      </a:endParaRPr>
+                    </a:p>
+                  </a:txBody>
+                  <a:tcPr anchor="ctr">
+                    <a:lnL w="12700" cmpd="sng">
+                      <a:noFill/>
+                    </a:lnL>
+                    <a:lnR w="12700" cmpd="sng">
+                      <a:noFill/>
+                    </a:lnR>
+                    <a:lnT w="12700" cmpd="sng">
+                      <a:noFill/>
+                    </a:lnT>
+                    <a:lnB w="38100" cmpd="sng">
+                      <a:noFill/>
+                    </a:lnB>
+                    <a:lnTlToBr w="12700" cmpd="sng">
+                      <a:noFill/>
+                      <a:prstDash val="solid"/>
+                    </a:lnTlToBr>
+                    <a:lnBlToTr w="12700" cmpd="sng">
+                      <a:noFill/>
+                      <a:prstDash val="solid"/>
+                    </a:lnBlToTr>
+                    <a:solidFill>
+                      <a:schemeClr val="bg1">
+                        <a:lumMod val="95000"/>
+                      </a:schemeClr>
+                    </a:solidFill>
+                  </a:tcPr>
+                </a:tc>
+              </a:tr>
+              <a:tr h="851371">
+                <a:tc>
+                  <a:txBody>
+                    <a:bodyPr/>
+                    <a:lstStyle/>
+                    <a:p>
+                      <a:pPr marL="0" marR="0" lvl="0" indent="0" algn="ctr" defTabSz="914400" rtl="0" eaLnBrk="1" fontAlgn="auto" latinLnBrk="1" hangingPunct="1">
+                        <a:lnSpc>
+                          <a:spcPct val="150000"/>
+                        </a:lnSpc>
+                        <a:spcBef>
+                          <a:spcPts val="0"/>
+                        </a:spcBef>
+                        <a:spcAft>
+                          <a:spcPts val="0"/>
+                        </a:spcAft>
+                        <a:buClrTx/>
+                        <a:buSzTx/>
+                        <a:buFontTx/>
+                        <a:buNone/>
+                        <a:tabLst/>
+                        <a:defRPr/>
+                      </a:pPr>
+                      <a:r>
+                        <a:rPr kumimoji="0" lang="ko-KR" altLang="en-US" sz="1400" b="1" i="0" u="none" strike="noStrike" kern="1200" cap="none" spc="0" normalizeH="0" baseline="0" noProof="0" dirty="0" smtClean="0">
+                          <a:ln>
+                            <a:noFill/>
+                          </a:ln>
+                          <a:solidFill>
+                            <a:schemeClr val="tx1">
+                              <a:lumMod val="75000"/>
+                              <a:lumOff val="25000"/>
+                            </a:schemeClr>
+                          </a:solidFill>
+                          <a:effectLst/>
+                          <a:uLnTx/>
+                          <a:uFillTx/>
+                          <a:latin typeface="+mn-lt"/>
+                          <a:ea typeface="+mn-ea"/>
+                          <a:cs typeface="+mn-cs"/>
+                        </a:rPr>
+                        <a:t>패턴 코드</a:t>
+                      </a:r>
+                      <a:endParaRPr kumimoji="0" lang="en-US" altLang="ko-KR" sz="1400" b="1" i="0" u="none" strike="noStrike" kern="1200" cap="none" spc="0" normalizeH="0" baseline="0" noProof="0" dirty="0" smtClean="0">
+                        <a:ln>
+                          <a:noFill/>
+                        </a:ln>
+                        <a:solidFill>
+                          <a:schemeClr val="tx1">
+                            <a:lumMod val="75000"/>
+                            <a:lumOff val="25000"/>
+                          </a:schemeClr>
+                        </a:solidFill>
+                        <a:effectLst/>
+                        <a:uLnTx/>
+                        <a:uFillTx/>
+                        <a:latin typeface="+mn-lt"/>
+                        <a:ea typeface="+mn-ea"/>
+                        <a:cs typeface="+mn-cs"/>
+                      </a:endParaRPr>
+                    </a:p>
+                  </a:txBody>
+                  <a:tcPr anchor="ctr">
+                    <a:lnL w="12700" cmpd="sng">
+                      <a:noFill/>
+                    </a:lnL>
+                    <a:lnR w="12700" cmpd="sng">
+                      <a:noFill/>
+                    </a:lnR>
+                    <a:lnT w="38100" cmpd="sng">
+                      <a:noFill/>
+                    </a:lnT>
+                    <a:lnB w="28575" cap="flat" cmpd="sng" algn="ctr">
+                      <a:solidFill>
+                        <a:srgbClr val="FF6600"/>
+                      </a:solidFill>
+                      <a:prstDash val="solid"/>
+                      <a:round/>
+                      <a:headEnd type="none" w="med" len="med"/>
+                      <a:tailEnd type="none" w="med" len="med"/>
+                    </a:lnB>
+                    <a:lnTlToBr w="12700" cmpd="sng">
+                      <a:noFill/>
+                      <a:prstDash val="solid"/>
+                    </a:lnTlToBr>
+                    <a:lnBlToTr w="12700" cmpd="sng">
+                      <a:noFill/>
+                      <a:prstDash val="solid"/>
+                    </a:lnBlToTr>
+                    <a:noFill/>
+                  </a:tcPr>
+                </a:tc>
+                <a:tc>
+                  <a:txBody>
+                    <a:bodyPr/>
+                    <a:lstStyle/>
+                    <a:p>
+                      <a:pPr marL="0" marR="0" lvl="0" indent="0" algn="ctr" defTabSz="914400" rtl="0" eaLnBrk="1" fontAlgn="auto" latinLnBrk="1" hangingPunct="1">
+                        <a:lnSpc>
+                          <a:spcPct val="150000"/>
+                        </a:lnSpc>
+                        <a:spcBef>
+                          <a:spcPts val="0"/>
+                        </a:spcBef>
+                        <a:spcAft>
+                          <a:spcPts val="0"/>
+                        </a:spcAft>
+                        <a:buClrTx/>
+                        <a:buSzTx/>
+                        <a:buFontTx/>
+                        <a:buNone/>
+                        <a:tabLst/>
+                        <a:defRPr/>
+                      </a:pPr>
+                      <a:r>
+                        <a:rPr kumimoji="0" lang="ko-KR" altLang="en-US" sz="1050" b="0" i="0" u="none" strike="noStrike" kern="1200" cap="none" spc="0" normalizeH="0" baseline="0" noProof="0" dirty="0" smtClean="0">
+                          <a:ln>
+                            <a:noFill/>
+                          </a:ln>
+                          <a:solidFill>
+                            <a:schemeClr val="tx1">
+                              <a:lumMod val="75000"/>
+                              <a:lumOff val="25000"/>
+                            </a:schemeClr>
+                          </a:solidFill>
+                          <a:effectLst/>
+                          <a:uLnTx/>
+                          <a:uFillTx/>
+                          <a:latin typeface="+mn-lt"/>
+                          <a:ea typeface="+mn-ea"/>
+                          <a:cs typeface="+mn-cs"/>
+                        </a:rPr>
+                        <a:t>번호 패턴에 대해 조금 더 구체적인</a:t>
+                      </a:r>
+                      <a:endParaRPr kumimoji="0" lang="en-US" altLang="ko-KR" sz="1050" b="0" i="0" u="none" strike="noStrike" kern="1200" cap="none" spc="0" normalizeH="0" baseline="0" noProof="0" dirty="0" smtClean="0">
+                        <a:ln>
+                          <a:noFill/>
+                        </a:ln>
+                        <a:solidFill>
+                          <a:schemeClr val="tx1">
+                            <a:lumMod val="75000"/>
+                            <a:lumOff val="25000"/>
+                          </a:schemeClr>
+                        </a:solidFill>
+                        <a:effectLst/>
+                        <a:uLnTx/>
+                        <a:uFillTx/>
+                        <a:latin typeface="+mn-lt"/>
+                        <a:ea typeface="+mn-ea"/>
+                        <a:cs typeface="+mn-cs"/>
+                      </a:endParaRPr>
+                    </a:p>
+                    <a:p>
+                      <a:pPr marL="0" marR="0" lvl="0" indent="0" algn="ctr" defTabSz="914400" rtl="0" eaLnBrk="1" fontAlgn="auto" latinLnBrk="1" hangingPunct="1">
+                        <a:lnSpc>
+                          <a:spcPct val="150000"/>
+                        </a:lnSpc>
+                        <a:spcBef>
+                          <a:spcPts val="0"/>
+                        </a:spcBef>
+                        <a:spcAft>
+                          <a:spcPts val="0"/>
+                        </a:spcAft>
+                        <a:buClrTx/>
+                        <a:buSzTx/>
+                        <a:buFontTx/>
+                        <a:buNone/>
+                        <a:tabLst/>
+                        <a:defRPr/>
+                      </a:pPr>
+                      <a:r>
+                        <a:rPr kumimoji="0" lang="ko-KR" altLang="en-US" sz="1050" b="0" i="0" u="none" strike="noStrike" kern="1200" cap="none" spc="0" normalizeH="0" baseline="0" noProof="0" dirty="0" smtClean="0">
+                          <a:ln>
+                            <a:noFill/>
+                          </a:ln>
+                          <a:solidFill>
+                            <a:schemeClr val="tx1">
+                              <a:lumMod val="75000"/>
+                              <a:lumOff val="25000"/>
+                            </a:schemeClr>
+                          </a:solidFill>
+                          <a:effectLst/>
+                          <a:uLnTx/>
+                          <a:uFillTx/>
+                          <a:latin typeface="+mn-lt"/>
+                          <a:ea typeface="+mn-ea"/>
+                          <a:cs typeface="+mn-cs"/>
+                        </a:rPr>
+                        <a:t>코드를 구현하지 못한 것이 아쉽습니다</a:t>
+                      </a:r>
+                      <a:r>
+                        <a:rPr kumimoji="0" lang="en-US" altLang="ko-KR" sz="1050" b="0" i="0" u="none" strike="noStrike" kern="1200" cap="none" spc="0" normalizeH="0" baseline="0" noProof="0" dirty="0" smtClean="0">
+                          <a:ln>
+                            <a:noFill/>
+                          </a:ln>
+                          <a:solidFill>
+                            <a:schemeClr val="tx1">
+                              <a:lumMod val="75000"/>
+                              <a:lumOff val="25000"/>
+                            </a:schemeClr>
+                          </a:solidFill>
+                          <a:effectLst/>
+                          <a:uLnTx/>
+                          <a:uFillTx/>
+                          <a:latin typeface="+mn-lt"/>
+                          <a:ea typeface="+mn-ea"/>
+                          <a:cs typeface="+mn-cs"/>
+                        </a:rPr>
+                        <a:t>.</a:t>
+                      </a:r>
+                      <a:endParaRPr kumimoji="0" lang="ko-KR" altLang="en-US" sz="1050" b="0" i="0" u="none" strike="noStrike" kern="1200" cap="none" spc="0" normalizeH="0" baseline="0" noProof="0" dirty="0" smtClean="0">
+                        <a:ln>
+                          <a:noFill/>
+                        </a:ln>
+                        <a:solidFill>
+                          <a:schemeClr val="tx1">
+                            <a:lumMod val="75000"/>
+                            <a:lumOff val="25000"/>
+                          </a:schemeClr>
+                        </a:solidFill>
+                        <a:effectLst/>
+                        <a:uLnTx/>
+                        <a:uFillTx/>
+                        <a:latin typeface="+mn-lt"/>
+                        <a:ea typeface="+mn-ea"/>
+                        <a:cs typeface="+mn-cs"/>
+                      </a:endParaRPr>
+                    </a:p>
+                  </a:txBody>
+                  <a:tcPr anchor="ctr">
+                    <a:lnL w="12700" cmpd="sng">
+                      <a:noFill/>
+                    </a:lnL>
+                    <a:lnR w="12700" cmpd="sng">
+                      <a:noFill/>
+                    </a:lnR>
+                    <a:lnT w="38100" cmpd="sng">
+                      <a:noFill/>
+                    </a:lnT>
+                    <a:lnB w="28575" cap="flat" cmpd="sng" algn="ctr">
+                      <a:solidFill>
+                        <a:srgbClr val="FF6600"/>
+                      </a:solidFill>
+                      <a:prstDash val="solid"/>
+                      <a:round/>
+                      <a:headEnd type="none" w="med" len="med"/>
+                      <a:tailEnd type="none" w="med" len="med"/>
+                    </a:lnB>
+                    <a:lnTlToBr w="12700" cmpd="sng">
+                      <a:noFill/>
+                      <a:prstDash val="solid"/>
+                    </a:lnTlToBr>
+                    <a:lnBlToTr w="12700" cmpd="sng">
+                      <a:noFill/>
+                      <a:prstDash val="solid"/>
+                    </a:lnBlToTr>
+                    <a:noFill/>
+                  </a:tcPr>
+                </a:tc>
+              </a:tr>
+              <a:tr h="851371">
+                <a:tc>
+                  <a:txBody>
+                    <a:bodyPr/>
+                    <a:lstStyle/>
+                    <a:p>
+                      <a:pPr marL="0" marR="0" lvl="0" indent="0" algn="ctr" defTabSz="914400" rtl="0" eaLnBrk="1" fontAlgn="auto" latinLnBrk="1" hangingPunct="1">
+                        <a:lnSpc>
+                          <a:spcPct val="150000"/>
+                        </a:lnSpc>
+                        <a:spcBef>
+                          <a:spcPts val="0"/>
+                        </a:spcBef>
+                        <a:spcAft>
+                          <a:spcPts val="0"/>
+                        </a:spcAft>
+                        <a:buClrTx/>
+                        <a:buSzTx/>
+                        <a:buFontTx/>
+                        <a:buNone/>
+                        <a:tabLst/>
+                        <a:defRPr/>
+                      </a:pPr>
+                      <a:r>
+                        <a:rPr kumimoji="0" lang="en-US" altLang="ko-KR" sz="1400" b="1" i="0" u="none" strike="noStrike" kern="1200" cap="none" spc="0" normalizeH="0" baseline="0" noProof="0" dirty="0" smtClean="0">
+                          <a:ln>
+                            <a:noFill/>
+                          </a:ln>
+                          <a:solidFill>
+                            <a:schemeClr val="tx1">
+                              <a:lumMod val="75000"/>
+                              <a:lumOff val="25000"/>
+                            </a:schemeClr>
+                          </a:solidFill>
+                          <a:effectLst/>
+                          <a:uLnTx/>
+                          <a:uFillTx/>
+                          <a:latin typeface="+mn-lt"/>
+                          <a:ea typeface="+mn-ea"/>
+                          <a:cs typeface="+mn-cs"/>
+                        </a:rPr>
+                        <a:t>Form </a:t>
+                      </a:r>
+                      <a:r>
+                        <a:rPr kumimoji="0" lang="ko-KR" altLang="en-US" sz="1400" b="1" i="0" u="none" strike="noStrike" kern="1200" cap="none" spc="0" normalizeH="0" baseline="0" noProof="0" dirty="0" smtClean="0">
+                          <a:ln>
+                            <a:noFill/>
+                          </a:ln>
+                          <a:solidFill>
+                            <a:schemeClr val="tx1">
+                              <a:lumMod val="75000"/>
+                              <a:lumOff val="25000"/>
+                            </a:schemeClr>
+                          </a:solidFill>
+                          <a:effectLst/>
+                          <a:uLnTx/>
+                          <a:uFillTx/>
+                          <a:latin typeface="+mn-lt"/>
+                          <a:ea typeface="+mn-ea"/>
+                          <a:cs typeface="+mn-cs"/>
+                        </a:rPr>
+                        <a:t>연결</a:t>
+                      </a:r>
+                      <a:endParaRPr kumimoji="0" lang="en-US" altLang="ko-KR" sz="1400" b="1" i="0" u="none" strike="noStrike" kern="1200" cap="none" spc="0" normalizeH="0" baseline="0" noProof="0" dirty="0" smtClean="0">
+                        <a:ln>
+                          <a:noFill/>
+                        </a:ln>
+                        <a:solidFill>
+                          <a:schemeClr val="tx1">
+                            <a:lumMod val="75000"/>
+                            <a:lumOff val="25000"/>
+                          </a:schemeClr>
+                        </a:solidFill>
+                        <a:effectLst/>
+                        <a:uLnTx/>
+                        <a:uFillTx/>
+                        <a:latin typeface="+mn-lt"/>
+                        <a:ea typeface="+mn-ea"/>
+                        <a:cs typeface="+mn-cs"/>
+                      </a:endParaRPr>
+                    </a:p>
+                  </a:txBody>
+                  <a:tcPr anchor="ctr">
+                    <a:lnL w="12700" cap="flat" cmpd="sng" algn="ctr">
+                      <a:noFill/>
+                      <a:prstDash val="solid"/>
+                      <a:round/>
+                      <a:headEnd type="none" w="med" len="med"/>
+                      <a:tailEnd type="none" w="med" len="med"/>
+                    </a:lnL>
+                    <a:lnR w="12700" cmpd="sng">
+                      <a:noFill/>
+                    </a:lnR>
+                    <a:lnT w="28575" cap="flat" cmpd="sng" algn="ctr">
+                      <a:solidFill>
+                        <a:srgbClr val="FF6600"/>
+                      </a:solidFill>
+                      <a:prstDash val="solid"/>
+                      <a:round/>
+                      <a:headEnd type="none" w="med" len="med"/>
+                      <a:tailEnd type="none" w="med" len="med"/>
+                    </a:lnT>
+                    <a:lnB w="28575" cap="flat" cmpd="sng" algn="ctr">
+                      <a:solidFill>
+                        <a:srgbClr val="FF6600"/>
+                      </a:solidFill>
+                      <a:prstDash val="solid"/>
+                      <a:round/>
+                      <a:headEnd type="none" w="med" len="med"/>
+                      <a:tailEnd type="none" w="med" len="med"/>
+                    </a:lnB>
+                    <a:lnTlToBr w="12700" cmpd="sng">
+                      <a:noFill/>
+                      <a:prstDash val="solid"/>
+                    </a:lnTlToBr>
+                    <a:lnBlToTr w="12700" cmpd="sng">
+                      <a:noFill/>
+                      <a:prstDash val="solid"/>
+                    </a:lnBlToTr>
+                    <a:noFill/>
+                  </a:tcPr>
+                </a:tc>
+                <a:tc>
+                  <a:txBody>
+                    <a:bodyPr/>
+                    <a:lstStyle/>
+                    <a:p>
+                      <a:pPr marL="0" marR="0" lvl="0" indent="0" algn="ctr" defTabSz="914400" rtl="0" eaLnBrk="1" fontAlgn="auto" latinLnBrk="1" hangingPunct="1">
+                        <a:lnSpc>
+                          <a:spcPct val="150000"/>
+                        </a:lnSpc>
+                        <a:spcBef>
+                          <a:spcPts val="0"/>
+                        </a:spcBef>
+                        <a:spcAft>
+                          <a:spcPts val="0"/>
+                        </a:spcAft>
+                        <a:buClrTx/>
+                        <a:buSzTx/>
+                        <a:buFontTx/>
+                        <a:buNone/>
+                        <a:tabLst/>
+                        <a:defRPr/>
+                      </a:pPr>
+                      <a:r>
+                        <a:rPr kumimoji="0" lang="ko-KR" altLang="en-US" sz="1050" b="0" i="0" u="none" strike="noStrike" kern="1200" cap="none" spc="0" normalizeH="0" baseline="0" noProof="0" dirty="0" smtClean="0">
+                          <a:ln>
+                            <a:noFill/>
+                          </a:ln>
+                          <a:solidFill>
+                            <a:schemeClr val="tx1">
+                              <a:lumMod val="75000"/>
+                              <a:lumOff val="25000"/>
+                            </a:schemeClr>
+                          </a:solidFill>
+                          <a:effectLst/>
+                          <a:uLnTx/>
+                          <a:uFillTx/>
+                          <a:latin typeface="+mn-lt"/>
+                          <a:ea typeface="+mn-ea"/>
+                          <a:cs typeface="+mn-cs"/>
+                        </a:rPr>
+                        <a:t>엑셀이 연동된 </a:t>
+                      </a:r>
+                      <a:r>
+                        <a:rPr kumimoji="0" lang="en-US" altLang="ko-KR" sz="1050" b="0" i="0" u="none" strike="noStrike" kern="1200" cap="none" spc="0" normalizeH="0" baseline="0" noProof="0" dirty="0" smtClean="0">
+                          <a:ln>
+                            <a:noFill/>
+                          </a:ln>
+                          <a:solidFill>
+                            <a:schemeClr val="tx1">
+                              <a:lumMod val="75000"/>
+                              <a:lumOff val="25000"/>
+                            </a:schemeClr>
+                          </a:solidFill>
+                          <a:effectLst/>
+                          <a:uLnTx/>
+                          <a:uFillTx/>
+                          <a:latin typeface="+mn-lt"/>
+                          <a:ea typeface="+mn-ea"/>
+                          <a:cs typeface="+mn-cs"/>
+                        </a:rPr>
+                        <a:t>Form</a:t>
+                      </a:r>
+                      <a:r>
+                        <a:rPr kumimoji="0" lang="ko-KR" altLang="en-US" sz="1050" b="0" i="0" u="none" strike="noStrike" kern="1200" cap="none" spc="0" normalizeH="0" baseline="0" noProof="0" dirty="0" smtClean="0">
+                          <a:ln>
+                            <a:noFill/>
+                          </a:ln>
+                          <a:solidFill>
+                            <a:schemeClr val="tx1">
+                              <a:lumMod val="75000"/>
+                              <a:lumOff val="25000"/>
+                            </a:schemeClr>
+                          </a:solidFill>
+                          <a:effectLst/>
+                          <a:uLnTx/>
+                          <a:uFillTx/>
+                          <a:latin typeface="+mn-lt"/>
+                          <a:ea typeface="+mn-ea"/>
+                          <a:cs typeface="+mn-cs"/>
+                        </a:rPr>
+                        <a:t>까지의 연결이 매끄럽지 않아</a:t>
+                      </a:r>
+                      <a:endParaRPr kumimoji="0" lang="en-US" altLang="ko-KR" sz="1050" b="0" i="0" u="none" strike="noStrike" kern="1200" cap="none" spc="0" normalizeH="0" baseline="0" noProof="0" dirty="0" smtClean="0">
+                        <a:ln>
+                          <a:noFill/>
+                        </a:ln>
+                        <a:solidFill>
+                          <a:schemeClr val="tx1">
+                            <a:lumMod val="75000"/>
+                            <a:lumOff val="25000"/>
+                          </a:schemeClr>
+                        </a:solidFill>
+                        <a:effectLst/>
+                        <a:uLnTx/>
+                        <a:uFillTx/>
+                        <a:latin typeface="+mn-lt"/>
+                        <a:ea typeface="+mn-ea"/>
+                        <a:cs typeface="+mn-cs"/>
+                      </a:endParaRPr>
+                    </a:p>
+                    <a:p>
+                      <a:pPr marL="0" marR="0" lvl="0" indent="0" algn="ctr" defTabSz="914400" rtl="0" eaLnBrk="1" fontAlgn="auto" latinLnBrk="1" hangingPunct="1">
+                        <a:lnSpc>
+                          <a:spcPct val="150000"/>
+                        </a:lnSpc>
+                        <a:spcBef>
+                          <a:spcPts val="0"/>
+                        </a:spcBef>
+                        <a:spcAft>
+                          <a:spcPts val="0"/>
+                        </a:spcAft>
+                        <a:buClrTx/>
+                        <a:buSzTx/>
+                        <a:buFontTx/>
+                        <a:buNone/>
+                        <a:tabLst/>
+                        <a:defRPr/>
+                      </a:pPr>
+                      <a:r>
+                        <a:rPr kumimoji="0" lang="ko-KR" altLang="en-US" sz="1050" b="0" i="0" u="none" strike="noStrike" kern="1200" cap="none" spc="0" normalizeH="0" baseline="0" noProof="0" dirty="0" smtClean="0">
+                          <a:ln>
+                            <a:noFill/>
+                          </a:ln>
+                          <a:solidFill>
+                            <a:schemeClr val="tx1">
+                              <a:lumMod val="75000"/>
+                              <a:lumOff val="25000"/>
+                            </a:schemeClr>
+                          </a:solidFill>
+                          <a:effectLst/>
+                          <a:uLnTx/>
+                          <a:uFillTx/>
+                          <a:latin typeface="+mn-lt"/>
+                          <a:ea typeface="+mn-ea"/>
+                          <a:cs typeface="+mn-cs"/>
+                        </a:rPr>
+                        <a:t>초반 사용에 불편함이 있어 보입니다</a:t>
+                      </a:r>
+                      <a:r>
+                        <a:rPr kumimoji="0" lang="en-US" altLang="ko-KR" sz="1050" b="0" i="0" u="none" strike="noStrike" kern="1200" cap="none" spc="0" normalizeH="0" baseline="0" noProof="0" dirty="0" smtClean="0">
+                          <a:ln>
+                            <a:noFill/>
+                          </a:ln>
+                          <a:solidFill>
+                            <a:schemeClr val="tx1">
+                              <a:lumMod val="75000"/>
+                              <a:lumOff val="25000"/>
+                            </a:schemeClr>
+                          </a:solidFill>
+                          <a:effectLst/>
+                          <a:uLnTx/>
+                          <a:uFillTx/>
+                          <a:latin typeface="+mn-lt"/>
+                          <a:ea typeface="+mn-ea"/>
+                          <a:cs typeface="+mn-cs"/>
+                        </a:rPr>
+                        <a:t>.</a:t>
+                      </a:r>
+                      <a:endParaRPr kumimoji="0" lang="ko-KR" altLang="en-US" sz="1050" b="0" i="0" u="none" strike="noStrike" kern="1200" cap="none" spc="0" normalizeH="0" baseline="0" noProof="0" dirty="0" smtClean="0">
+                        <a:ln>
+                          <a:noFill/>
+                        </a:ln>
+                        <a:solidFill>
+                          <a:schemeClr val="tx1">
+                            <a:lumMod val="75000"/>
+                            <a:lumOff val="25000"/>
+                          </a:schemeClr>
+                        </a:solidFill>
+                        <a:effectLst/>
+                        <a:uLnTx/>
+                        <a:uFillTx/>
+                        <a:latin typeface="+mn-lt"/>
+                        <a:ea typeface="+mn-ea"/>
+                        <a:cs typeface="+mn-cs"/>
+                      </a:endParaRPr>
+                    </a:p>
+                  </a:txBody>
+                  <a:tcPr anchor="ctr">
+                    <a:lnL w="12700" cmpd="sng">
+                      <a:noFill/>
+                    </a:lnL>
+                    <a:lnR w="28575" cap="flat" cmpd="sng" algn="ctr">
+                      <a:noFill/>
+                      <a:prstDash val="solid"/>
+                      <a:round/>
+                      <a:headEnd type="none" w="med" len="med"/>
+                      <a:tailEnd type="none" w="med" len="med"/>
+                    </a:lnR>
+                    <a:lnT w="28575" cap="flat" cmpd="sng" algn="ctr">
+                      <a:solidFill>
+                        <a:srgbClr val="FF6600"/>
+                      </a:solidFill>
+                      <a:prstDash val="solid"/>
+                      <a:round/>
+                      <a:headEnd type="none" w="med" len="med"/>
+                      <a:tailEnd type="none" w="med" len="med"/>
+                    </a:lnT>
+                    <a:lnB w="28575" cap="flat" cmpd="sng" algn="ctr">
+                      <a:solidFill>
+                        <a:srgbClr val="FF6600"/>
+                      </a:solidFill>
+                      <a:prstDash val="solid"/>
+                      <a:round/>
+                      <a:headEnd type="none" w="med" len="med"/>
+                      <a:tailEnd type="none" w="med" len="med"/>
+                    </a:lnB>
+                    <a:lnTlToBr w="12700" cmpd="sng">
+                      <a:noFill/>
+                      <a:prstDash val="solid"/>
+                    </a:lnTlToBr>
+                    <a:lnBlToTr w="12700" cmpd="sng">
+                      <a:noFill/>
+                      <a:prstDash val="solid"/>
+                    </a:lnBlToTr>
+                    <a:noFill/>
+                  </a:tcPr>
+                </a:tc>
+              </a:tr>
+              <a:tr h="851371">
+                <a:tc>
+                  <a:txBody>
+                    <a:bodyPr/>
+                    <a:lstStyle/>
+                    <a:p>
+                      <a:pPr marL="0" marR="0" lvl="0" indent="0" algn="ctr" defTabSz="914400" rtl="0" eaLnBrk="1" fontAlgn="auto" latinLnBrk="1" hangingPunct="1">
+                        <a:lnSpc>
+                          <a:spcPct val="150000"/>
+                        </a:lnSpc>
+                        <a:spcBef>
+                          <a:spcPts val="0"/>
+                        </a:spcBef>
+                        <a:spcAft>
+                          <a:spcPts val="0"/>
+                        </a:spcAft>
+                        <a:buClrTx/>
+                        <a:buSzTx/>
+                        <a:buFontTx/>
+                        <a:buNone/>
+                        <a:tabLst/>
+                        <a:defRPr/>
+                      </a:pPr>
+                      <a:r>
+                        <a:rPr kumimoji="0" lang="en-US" altLang="ko-KR" sz="1400" b="1" i="0" u="none" strike="noStrike" kern="1200" cap="none" spc="0" normalizeH="0" baseline="0" noProof="0" dirty="0" smtClean="0">
+                          <a:ln>
+                            <a:noFill/>
+                          </a:ln>
+                          <a:solidFill>
+                            <a:schemeClr val="tx1">
+                              <a:lumMod val="75000"/>
+                              <a:lumOff val="25000"/>
+                            </a:schemeClr>
+                          </a:solidFill>
+                          <a:effectLst/>
+                          <a:uLnTx/>
+                          <a:uFillTx/>
+                          <a:latin typeface="+mn-lt"/>
+                          <a:ea typeface="+mn-ea"/>
+                          <a:cs typeface="+mn-cs"/>
+                        </a:rPr>
+                        <a:t>Excel</a:t>
+                      </a:r>
+                      <a:endParaRPr kumimoji="0" lang="en-US" altLang="ko-KR" sz="1400" b="1" i="0" u="none" strike="noStrike" kern="1200" cap="none" spc="0" normalizeH="0" baseline="0" noProof="0" dirty="0" smtClean="0">
+                        <a:ln>
+                          <a:noFill/>
+                        </a:ln>
+                        <a:solidFill>
+                          <a:schemeClr val="tx1">
+                            <a:lumMod val="75000"/>
+                            <a:lumOff val="25000"/>
+                          </a:schemeClr>
+                        </a:solidFill>
+                        <a:effectLst/>
+                        <a:uLnTx/>
+                        <a:uFillTx/>
+                        <a:latin typeface="+mn-lt"/>
+                        <a:ea typeface="+mn-ea"/>
+                        <a:cs typeface="+mn-cs"/>
+                      </a:endParaRPr>
+                    </a:p>
+                  </a:txBody>
+                  <a:tcPr anchor="ctr">
+                    <a:lnL w="12700" cap="flat" cmpd="sng" algn="ctr">
+                      <a:noFill/>
+                      <a:prstDash val="solid"/>
+                      <a:round/>
+                      <a:headEnd type="none" w="med" len="med"/>
+                      <a:tailEnd type="none" w="med" len="med"/>
+                    </a:lnL>
+                    <a:lnR w="12700" cmpd="sng">
+                      <a:noFill/>
+                    </a:lnR>
+                    <a:lnT w="28575" cap="flat" cmpd="sng" algn="ctr">
+                      <a:solidFill>
+                        <a:srgbClr val="FF6600"/>
+                      </a:solidFill>
+                      <a:prstDash val="solid"/>
+                      <a:round/>
+                      <a:headEnd type="none" w="med" len="med"/>
+                      <a:tailEnd type="none" w="med" len="med"/>
+                    </a:lnT>
+                    <a:lnB w="28575" cap="flat" cmpd="sng" algn="ctr">
+                      <a:solidFill>
+                        <a:srgbClr val="FF6600"/>
+                      </a:solidFill>
+                      <a:prstDash val="solid"/>
+                      <a:round/>
+                      <a:headEnd type="none" w="med" len="med"/>
+                      <a:tailEnd type="none" w="med" len="med"/>
+                    </a:lnB>
+                    <a:lnTlToBr w="12700" cmpd="sng">
+                      <a:noFill/>
+                      <a:prstDash val="solid"/>
+                    </a:lnTlToBr>
+                    <a:lnBlToTr w="12700" cmpd="sng">
+                      <a:noFill/>
+                      <a:prstDash val="solid"/>
+                    </a:lnBlToTr>
+                    <a:noFill/>
+                  </a:tcPr>
+                </a:tc>
+                <a:tc>
+                  <a:txBody>
+                    <a:bodyPr/>
+                    <a:lstStyle/>
+                    <a:p>
+                      <a:pPr marL="0" marR="0" lvl="0" indent="0" algn="ctr" defTabSz="914400" rtl="0" eaLnBrk="1" fontAlgn="auto" latinLnBrk="1" hangingPunct="1">
+                        <a:lnSpc>
+                          <a:spcPct val="150000"/>
+                        </a:lnSpc>
+                        <a:spcBef>
+                          <a:spcPts val="0"/>
+                        </a:spcBef>
+                        <a:spcAft>
+                          <a:spcPts val="0"/>
+                        </a:spcAft>
+                        <a:buClrTx/>
+                        <a:buSzTx/>
+                        <a:buFontTx/>
+                        <a:buNone/>
+                        <a:tabLst/>
+                        <a:defRPr/>
+                      </a:pPr>
+                      <a:r>
+                        <a:rPr kumimoji="0" lang="ko-KR" altLang="en-US" sz="1050" b="0" i="0" u="none" strike="noStrike" kern="1200" cap="none" spc="0" normalizeH="0" baseline="0" noProof="0" dirty="0" smtClean="0">
+                          <a:ln>
+                            <a:noFill/>
+                          </a:ln>
+                          <a:solidFill>
+                            <a:schemeClr val="tx1">
+                              <a:lumMod val="75000"/>
+                              <a:lumOff val="25000"/>
+                            </a:schemeClr>
+                          </a:solidFill>
+                          <a:effectLst/>
+                          <a:uLnTx/>
+                          <a:uFillTx/>
+                          <a:latin typeface="+mn-lt"/>
+                          <a:ea typeface="+mn-ea"/>
+                          <a:cs typeface="+mn-cs"/>
+                        </a:rPr>
+                        <a:t>엑셀 파일을 매번 수정해야 되는 번거로움이 있어</a:t>
+                      </a:r>
+                      <a:endParaRPr kumimoji="0" lang="en-US" altLang="ko-KR" sz="1050" b="0" i="0" u="none" strike="noStrike" kern="1200" cap="none" spc="0" normalizeH="0" baseline="0" noProof="0" dirty="0" smtClean="0">
+                        <a:ln>
+                          <a:noFill/>
+                        </a:ln>
+                        <a:solidFill>
+                          <a:schemeClr val="tx1">
+                            <a:lumMod val="75000"/>
+                            <a:lumOff val="25000"/>
+                          </a:schemeClr>
+                        </a:solidFill>
+                        <a:effectLst/>
+                        <a:uLnTx/>
+                        <a:uFillTx/>
+                        <a:latin typeface="+mn-lt"/>
+                        <a:ea typeface="+mn-ea"/>
+                        <a:cs typeface="+mn-cs"/>
+                      </a:endParaRPr>
+                    </a:p>
+                    <a:p>
+                      <a:pPr marL="0" marR="0" lvl="0" indent="0" algn="ctr" defTabSz="914400" rtl="0" eaLnBrk="1" fontAlgn="auto" latinLnBrk="1" hangingPunct="1">
+                        <a:lnSpc>
+                          <a:spcPct val="150000"/>
+                        </a:lnSpc>
+                        <a:spcBef>
+                          <a:spcPts val="0"/>
+                        </a:spcBef>
+                        <a:spcAft>
+                          <a:spcPts val="0"/>
+                        </a:spcAft>
+                        <a:buClrTx/>
+                        <a:buSzTx/>
+                        <a:buFontTx/>
+                        <a:buNone/>
+                        <a:tabLst/>
+                        <a:defRPr/>
+                      </a:pPr>
+                      <a:r>
+                        <a:rPr kumimoji="0" lang="ko-KR" altLang="en-US" sz="1050" b="0" i="0" u="none" strike="noStrike" kern="1200" cap="none" spc="0" normalizeH="0" baseline="0" noProof="0" dirty="0" smtClean="0">
+                          <a:ln>
+                            <a:noFill/>
+                          </a:ln>
+                          <a:solidFill>
+                            <a:schemeClr val="tx1">
+                              <a:lumMod val="75000"/>
+                              <a:lumOff val="25000"/>
+                            </a:schemeClr>
+                          </a:solidFill>
+                          <a:effectLst/>
+                          <a:uLnTx/>
+                          <a:uFillTx/>
+                          <a:latin typeface="+mn-lt"/>
+                          <a:ea typeface="+mn-ea"/>
+                          <a:cs typeface="+mn-cs"/>
+                        </a:rPr>
+                        <a:t>이 부분에 대한 해결이 필요합니다</a:t>
+                      </a:r>
+                      <a:r>
+                        <a:rPr kumimoji="0" lang="en-US" altLang="ko-KR" sz="1050" b="0" i="0" u="none" strike="noStrike" kern="1200" cap="none" spc="0" normalizeH="0" baseline="0" noProof="0" dirty="0" smtClean="0">
+                          <a:ln>
+                            <a:noFill/>
+                          </a:ln>
+                          <a:solidFill>
+                            <a:schemeClr val="tx1">
+                              <a:lumMod val="75000"/>
+                              <a:lumOff val="25000"/>
+                            </a:schemeClr>
+                          </a:solidFill>
+                          <a:effectLst/>
+                          <a:uLnTx/>
+                          <a:uFillTx/>
+                          <a:latin typeface="+mn-lt"/>
+                          <a:ea typeface="+mn-ea"/>
+                          <a:cs typeface="+mn-cs"/>
+                        </a:rPr>
+                        <a:t>.</a:t>
+                      </a:r>
+                      <a:endParaRPr kumimoji="0" lang="ko-KR" altLang="en-US" sz="1050" b="0" i="0" u="none" strike="noStrike" kern="1200" cap="none" spc="0" normalizeH="0" baseline="0" noProof="0" dirty="0" smtClean="0">
+                        <a:ln>
+                          <a:noFill/>
+                        </a:ln>
+                        <a:solidFill>
+                          <a:schemeClr val="tx1">
+                            <a:lumMod val="75000"/>
+                            <a:lumOff val="25000"/>
+                          </a:schemeClr>
+                        </a:solidFill>
+                        <a:effectLst/>
+                        <a:uLnTx/>
+                        <a:uFillTx/>
+                        <a:latin typeface="+mn-lt"/>
+                        <a:ea typeface="+mn-ea"/>
+                        <a:cs typeface="+mn-cs"/>
+                      </a:endParaRPr>
+                    </a:p>
+                  </a:txBody>
+                  <a:tcPr anchor="ctr">
+                    <a:lnL w="12700" cmpd="sng">
+                      <a:noFill/>
+                    </a:lnL>
+                    <a:lnR w="12700" cmpd="sng">
+                      <a:noFill/>
+                    </a:lnR>
+                    <a:lnT w="28575" cap="flat" cmpd="sng" algn="ctr">
+                      <a:solidFill>
+                        <a:srgbClr val="FF6600"/>
+                      </a:solidFill>
+                      <a:prstDash val="solid"/>
+                      <a:round/>
+                      <a:headEnd type="none" w="med" len="med"/>
+                      <a:tailEnd type="none" w="med" len="med"/>
+                    </a:lnT>
+                    <a:lnB w="28575" cap="flat" cmpd="sng" algn="ctr">
+                      <a:solidFill>
+                        <a:srgbClr val="FF6600"/>
+                      </a:solidFill>
+                      <a:prstDash val="solid"/>
+                      <a:round/>
+                      <a:headEnd type="none" w="med" len="med"/>
+                      <a:tailEnd type="none" w="med" len="med"/>
+                    </a:lnB>
+                    <a:lnTlToBr w="12700" cmpd="sng">
+                      <a:noFill/>
+                      <a:prstDash val="solid"/>
+                    </a:lnTlToBr>
+                    <a:lnBlToTr w="12700" cmpd="sng">
+                      <a:noFill/>
+                      <a:prstDash val="solid"/>
+                    </a:lnBlToTr>
+                    <a:noFill/>
+                  </a:tcPr>
+                </a:tc>
+              </a:tr>
+            </a:tbl>
+          </a:graphicData>
+        </a:graphic>
+      </p:graphicFrame>
+      <p:pic>
+        <p:nvPicPr>
+          <p:cNvPr id="15" name="그림 14"/>
+          <p:cNvPicPr>
+            <a:picLocks noChangeAspect="1"/>
+          </p:cNvPicPr>
+          <p:nvPr/>
+        </p:nvPicPr>
+        <p:blipFill>
+          <a:blip r:embed="rId2" cstate="print">
+            <a:extLst>
+              <a:ext uri="{28A0092B-C50C-407E-A947-70E740481C1C}">
+                <a14:useLocalDpi xmlns:a14="http://schemas.microsoft.com/office/drawing/2010/main" val="0"/>
+              </a:ext>
+            </a:extLst>
+          </a:blip>
+          <a:stretch>
+            <a:fillRect/>
+          </a:stretch>
+        </p:blipFill>
+        <p:spPr>
+          <a:xfrm>
+            <a:off x="800707" y="2457662"/>
+            <a:ext cx="3819693" cy="2485041"/>
+          </a:xfrm>
+          <a:prstGeom prst="rect">
+            <a:avLst/>
+          </a:prstGeom>
+        </p:spPr>
+      </p:pic>
+    </p:spTree>
+    <p:extLst>
+      <p:ext uri="{BB962C8B-B14F-4D97-AF65-F5344CB8AC3E}">
+        <p14:creationId xmlns:p14="http://schemas.microsoft.com/office/powerpoint/2010/main" val="448217301"/>
+      </p:ext>
+    </p:extLst>
+  </p:cSld>
+  <p:clrMapOvr>
+    <a:masterClrMapping/>
+  </p:clrMapOvr>
+  <p:timing>
+    <p:tnLst>
+      <p:par>
+        <p:cTn id="1" dur="indefinite" restart="never" nodeType="tmRoot"/>
+      </p:par>
+    </p:tnLst>
+  </p:timing>
+</p:sld>
+</file>
+
+<file path=ppt/slides/slide18.xml><?xml version="1.0" encoding="utf-8"?>
+<p:sld xmlns:a="http://schemas.openxmlformats.org/drawingml/2006/main" xmlns:r="http://schemas.openxmlformats.org/officeDocument/2006/relationships" xmlns:p="http://schemas.openxmlformats.org/presentationml/2006/main">
+  <p:cSld>
+    <p:spTree>
+      <p:nvGrpSpPr>
+        <p:cNvPr id="1" name=""/>
+        <p:cNvGrpSpPr/>
+        <p:nvPr/>
+      </p:nvGrpSpPr>
+      <p:grpSpPr>
+        <a:xfrm>
+          <a:off x="0" y="0"/>
+          <a:ext cx="0" cy="0"/>
+          <a:chOff x="0" y="0"/>
+          <a:chExt cx="0" cy="0"/>
+        </a:xfrm>
+      </p:grpSpPr>
+      <p:cxnSp>
+        <p:nvCxnSpPr>
+          <p:cNvPr id="6" name="직선 연결선 5"/>
+          <p:cNvCxnSpPr/>
+          <p:nvPr/>
+        </p:nvCxnSpPr>
+        <p:spPr>
+          <a:xfrm>
+            <a:off x="440707" y="251691"/>
+            <a:ext cx="720000" cy="0"/>
+          </a:xfrm>
+          <a:prstGeom prst="line">
+            <a:avLst/>
+          </a:prstGeom>
+          <a:ln w="22225">
+            <a:solidFill>
+              <a:srgbClr val="5B6176"/>
+            </a:solidFill>
+          </a:ln>
+        </p:spPr>
+        <p:style>
+          <a:lnRef idx="1">
+            <a:schemeClr val="accent1"/>
+          </a:lnRef>
+          <a:fillRef idx="0">
+            <a:schemeClr val="accent1"/>
+          </a:fillRef>
+          <a:effectRef idx="0">
+            <a:schemeClr val="accent1"/>
+          </a:effectRef>
+          <a:fontRef idx="minor">
+            <a:schemeClr val="tx1"/>
+          </a:fontRef>
+        </p:style>
+      </p:cxnSp>
+      <p:cxnSp>
+        <p:nvCxnSpPr>
+          <p:cNvPr id="7" name="직선 연결선 6"/>
+          <p:cNvCxnSpPr/>
+          <p:nvPr/>
+        </p:nvCxnSpPr>
+        <p:spPr>
+          <a:xfrm>
+            <a:off x="97139" y="6104246"/>
+            <a:ext cx="12024000" cy="0"/>
+          </a:xfrm>
+          <a:prstGeom prst="line">
+            <a:avLst/>
+          </a:prstGeom>
+          <a:ln w="38100">
+            <a:solidFill>
+              <a:srgbClr val="5B6176"/>
+            </a:solidFill>
+          </a:ln>
+        </p:spPr>
+        <p:style>
+          <a:lnRef idx="1">
+            <a:schemeClr val="accent1"/>
+          </a:lnRef>
+          <a:fillRef idx="0">
+            <a:schemeClr val="accent1"/>
+          </a:fillRef>
+          <a:effectRef idx="0">
+            <a:schemeClr val="accent1"/>
+          </a:effectRef>
+          <a:fontRef idx="minor">
+            <a:schemeClr val="tx1"/>
+          </a:fontRef>
+        </p:style>
+      </p:cxnSp>
+      <p:sp>
+        <p:nvSpPr>
+          <p:cNvPr id="8" name="직사각형 7"/>
+          <p:cNvSpPr/>
+          <p:nvPr/>
+        </p:nvSpPr>
+        <p:spPr>
+          <a:xfrm>
+            <a:off x="449943" y="986971"/>
+            <a:ext cx="11327709" cy="5689600"/>
+          </a:xfrm>
+          <a:prstGeom prst="rect">
+            <a:avLst/>
+          </a:prstGeom>
+          <a:solidFill>
+            <a:schemeClr val="bg1"/>
+          </a:solidFill>
+          <a:ln w="38100">
+            <a:solidFill>
+              <a:srgbClr val="5B6176"/>
+            </a:solidFill>
+          </a:ln>
+          <a:effectLst>
+            <a:outerShdw blurRad="317500" dist="723900" dir="10800000" sx="95000" sy="95000" algn="r" rotWithShape="0">
+              <a:prstClr val="black">
+                <a:alpha val="24000"/>
+              </a:prstClr>
+            </a:outerShdw>
+          </a:effectLst>
+        </p:spPr>
+        <p:style>
+          <a:lnRef idx="2">
+            <a:schemeClr val="accent1">
+              <a:shade val="50000"/>
+            </a:schemeClr>
+          </a:lnRef>
+          <a:fillRef idx="1">
+            <a:schemeClr val="accent1"/>
+          </a:fillRef>
+          <a:effectRef idx="0">
+            <a:schemeClr val="accent1"/>
+          </a:effectRef>
+          <a:fontRef idx="minor">
+            <a:schemeClr val="lt1"/>
+          </a:fontRef>
+        </p:style>
+        <p:txBody>
+          <a:bodyPr rtlCol="0" anchor="ctr"/>
+          <a:lstStyle/>
+          <a:p>
+            <a:pPr algn="ctr"/>
+            <a:endParaRPr lang="ko-KR" altLang="en-US" dirty="0">
+              <a:solidFill>
+                <a:prstClr val="white"/>
+              </a:solidFill>
+            </a:endParaRPr>
+          </a:p>
+        </p:txBody>
+      </p:sp>
+      <p:sp>
+        <p:nvSpPr>
+          <p:cNvPr id="9" name="직사각형 8"/>
+          <p:cNvSpPr/>
+          <p:nvPr/>
+        </p:nvSpPr>
+        <p:spPr>
+          <a:xfrm>
+            <a:off x="449943" y="580571"/>
+            <a:ext cx="11327709" cy="406400"/>
+          </a:xfrm>
+          <a:prstGeom prst="rect">
+            <a:avLst/>
+          </a:prstGeom>
+          <a:solidFill>
+            <a:srgbClr val="D0D2D2"/>
+          </a:solidFill>
+          <a:ln w="38100">
+            <a:solidFill>
+              <a:srgbClr val="5B6176"/>
+            </a:solidFill>
+          </a:ln>
+        </p:spPr>
+        <p:style>
+          <a:lnRef idx="2">
+            <a:schemeClr val="accent1">
+              <a:shade val="50000"/>
+            </a:schemeClr>
+          </a:lnRef>
+          <a:fillRef idx="1">
+            <a:schemeClr val="accent1"/>
+          </a:fillRef>
+          <a:effectRef idx="0">
+            <a:schemeClr val="accent1"/>
+          </a:effectRef>
+          <a:fontRef idx="minor">
+            <a:schemeClr val="lt1"/>
+          </a:fontRef>
+        </p:style>
+        <p:txBody>
+          <a:bodyPr rtlCol="0" anchor="ctr"/>
+          <a:lstStyle/>
+          <a:p>
+            <a:pPr lvl="1" latinLnBrk="0">
+              <a:defRPr/>
+            </a:pPr>
+            <a:r>
               <a:rPr lang="en-US" altLang="ko-KR" sz="2000" b="1" i="1" kern="0" dirty="0" smtClean="0">
                 <a:solidFill>
                   <a:srgbClr val="5B6176"/>
@@ -11792,7 +13412,7 @@
     </p:spTree>
     <p:extLst>
       <p:ext uri="{BB962C8B-B14F-4D97-AF65-F5344CB8AC3E}">
-        <p14:creationId xmlns:p14="http://schemas.microsoft.com/office/powerpoint/2010/main" val="448217301"/>
+        <p14:creationId xmlns:p14="http://schemas.microsoft.com/office/powerpoint/2010/main" val="2595801658"/>
       </p:ext>
     </p:extLst>
   </p:cSld>
@@ -32601,23 +34221,6 @@
                         </a:rPr>
                         <a:t>그 외 나머지 자리</a:t>
                       </a:r>
-                      <a:endParaRPr kumimoji="0" lang="ko-KR" altLang="en-US" sz="1050" b="0" i="0" u="none" strike="noStrike" kern="1200" cap="none" spc="0" normalizeH="0" baseline="0" noProof="0" dirty="0" smtClean="0">
-                        <a:ln>
-                          <a:noFill/>
-                        </a:ln>
-                        <a:solidFill>
-                          <a:schemeClr val="tx1">
-                            <a:lumMod val="75000"/>
-                            <a:lumOff val="25000"/>
-                          </a:schemeClr>
-                        </a:solidFill>
-                        <a:effectLst/>
-                        <a:uLnTx/>
-                        <a:uFillTx/>
-                        <a:latin typeface="+mn-lt"/>
-                        <a:ea typeface="+mn-ea"/>
-                        <a:cs typeface="+mn-cs"/>
-                      </a:endParaRPr>
                     </a:p>
                   </a:txBody>
                   <a:tcPr anchor="ctr">
@@ -35457,8 +37060,8 @@
         </p:nvCxnSpPr>
         <p:spPr>
           <a:xfrm flipV="1">
-            <a:off x="1603149" y="4770031"/>
-            <a:ext cx="7169545" cy="553874"/>
+            <a:off x="1619625" y="4770031"/>
+            <a:ext cx="7153069" cy="545636"/>
           </a:xfrm>
           <a:prstGeom prst="line">
             <a:avLst/>
@@ -35850,7 +37453,7 @@
         </p:nvSpPr>
         <p:spPr>
           <a:xfrm>
-            <a:off x="1321653" y="5196495"/>
+            <a:off x="1338129" y="5188257"/>
             <a:ext cx="281496" cy="254819"/>
           </a:xfrm>
           <a:prstGeom prst="roundRect">

--- a/포트폴리오/C#/로또 번호 추첨기 프로그램/로또 번호 추첨기 - 양화영.pptx
+++ b/포트폴리오/C#/로또 번호 추첨기 프로그램/로또 번호 추첨기 - 양화영.pptx
@@ -123,7 +123,7 @@
   </p:defaultTextStyle>
   <p:extLst>
     <p:ext uri="{EFAFB233-063F-42B5-8137-9DF3F51BA10A}">
-      <p15:sldGuideLst xmlns="" xmlns:p15="http://schemas.microsoft.com/office/powerpoint/2012/main">
+      <p15:sldGuideLst xmlns:p15="http://schemas.microsoft.com/office/powerpoint/2012/main" xmlns="">
         <p15:guide id="1" orient="horz" pos="2150">
           <p15:clr>
             <a:srgbClr val="A4A3A4"/>
@@ -162,7 +162,7 @@
           <p:cNvPr id="2" name="제목 1">
             <a:extLst>
               <a:ext uri="{FF2B5EF4-FFF2-40B4-BE49-F238E27FC236}">
-                <a16:creationId xmlns="" xmlns:a16="http://schemas.microsoft.com/office/drawing/2014/main" id="{22112318-F619-4488-8B6E-2F5F2426A69A}"/>
+                <a16:creationId xmlns:a16="http://schemas.microsoft.com/office/drawing/2014/main" xmlns="" id="{22112318-F619-4488-8B6E-2F5F2426A69A}"/>
               </a:ext>
             </a:extLst>
           </p:cNvPr>
@@ -199,7 +199,7 @@
           <p:cNvPr id="3" name="부제목 2">
             <a:extLst>
               <a:ext uri="{FF2B5EF4-FFF2-40B4-BE49-F238E27FC236}">
-                <a16:creationId xmlns="" xmlns:a16="http://schemas.microsoft.com/office/drawing/2014/main" id="{E8BEE6BB-9A5F-4E9F-9F1C-6D46BE01A313}"/>
+                <a16:creationId xmlns:a16="http://schemas.microsoft.com/office/drawing/2014/main" xmlns="" id="{E8BEE6BB-9A5F-4E9F-9F1C-6D46BE01A313}"/>
               </a:ext>
             </a:extLst>
           </p:cNvPr>
@@ -269,7 +269,7 @@
           <p:cNvPr id="4" name="날짜 개체 틀 3">
             <a:extLst>
               <a:ext uri="{FF2B5EF4-FFF2-40B4-BE49-F238E27FC236}">
-                <a16:creationId xmlns="" xmlns:a16="http://schemas.microsoft.com/office/drawing/2014/main" id="{D2D9A51D-A948-4CB8-A9EB-5A26520C8EF0}"/>
+                <a16:creationId xmlns:a16="http://schemas.microsoft.com/office/drawing/2014/main" xmlns="" id="{D2D9A51D-A948-4CB8-A9EB-5A26520C8EF0}"/>
               </a:ext>
             </a:extLst>
           </p:cNvPr>
@@ -311,7 +311,7 @@
           <p:cNvPr id="5" name="바닥글 개체 틀 4">
             <a:extLst>
               <a:ext uri="{FF2B5EF4-FFF2-40B4-BE49-F238E27FC236}">
-                <a16:creationId xmlns="" xmlns:a16="http://schemas.microsoft.com/office/drawing/2014/main" id="{84374BBD-0B82-4658-B13D-088F0E4D078E}"/>
+                <a16:creationId xmlns:a16="http://schemas.microsoft.com/office/drawing/2014/main" xmlns="" id="{84374BBD-0B82-4658-B13D-088F0E4D078E}"/>
               </a:ext>
             </a:extLst>
           </p:cNvPr>
@@ -342,7 +342,7 @@
           <p:cNvPr id="6" name="슬라이드 번호 개체 틀 5">
             <a:extLst>
               <a:ext uri="{FF2B5EF4-FFF2-40B4-BE49-F238E27FC236}">
-                <a16:creationId xmlns="" xmlns:a16="http://schemas.microsoft.com/office/drawing/2014/main" id="{AB1AAA67-696A-4836-A10B-FF164C3AF889}"/>
+                <a16:creationId xmlns:a16="http://schemas.microsoft.com/office/drawing/2014/main" xmlns="" id="{AB1AAA67-696A-4836-A10B-FF164C3AF889}"/>
               </a:ext>
             </a:extLst>
           </p:cNvPr>
@@ -414,7 +414,7 @@
           <p:cNvPr id="2" name="제목 1">
             <a:extLst>
               <a:ext uri="{FF2B5EF4-FFF2-40B4-BE49-F238E27FC236}">
-                <a16:creationId xmlns="" xmlns:a16="http://schemas.microsoft.com/office/drawing/2014/main" id="{3C43AEE1-28CA-46D2-81F5-CD34E4F9E583}"/>
+                <a16:creationId xmlns:a16="http://schemas.microsoft.com/office/drawing/2014/main" xmlns="" id="{3C43AEE1-28CA-46D2-81F5-CD34E4F9E583}"/>
               </a:ext>
             </a:extLst>
           </p:cNvPr>
@@ -442,7 +442,7 @@
           <p:cNvPr id="3" name="세로 텍스트 개체 틀 2">
             <a:extLst>
               <a:ext uri="{FF2B5EF4-FFF2-40B4-BE49-F238E27FC236}">
-                <a16:creationId xmlns="" xmlns:a16="http://schemas.microsoft.com/office/drawing/2014/main" id="{C738FEC2-4BF0-4A45-9297-EE9B2E45E5CC}"/>
+                <a16:creationId xmlns:a16="http://schemas.microsoft.com/office/drawing/2014/main" xmlns="" id="{C738FEC2-4BF0-4A45-9297-EE9B2E45E5CC}"/>
               </a:ext>
             </a:extLst>
           </p:cNvPr>
@@ -499,7 +499,7 @@
           <p:cNvPr id="4" name="날짜 개체 틀 3">
             <a:extLst>
               <a:ext uri="{FF2B5EF4-FFF2-40B4-BE49-F238E27FC236}">
-                <a16:creationId xmlns="" xmlns:a16="http://schemas.microsoft.com/office/drawing/2014/main" id="{2BEDBAD0-D342-4544-94B8-122B3BDBF705}"/>
+                <a16:creationId xmlns:a16="http://schemas.microsoft.com/office/drawing/2014/main" xmlns="" id="{2BEDBAD0-D342-4544-94B8-122B3BDBF705}"/>
               </a:ext>
             </a:extLst>
           </p:cNvPr>
@@ -541,7 +541,7 @@
           <p:cNvPr id="5" name="바닥글 개체 틀 4">
             <a:extLst>
               <a:ext uri="{FF2B5EF4-FFF2-40B4-BE49-F238E27FC236}">
-                <a16:creationId xmlns="" xmlns:a16="http://schemas.microsoft.com/office/drawing/2014/main" id="{1D70FE0D-ACBA-4806-9F35-4EB786E865FE}"/>
+                <a16:creationId xmlns:a16="http://schemas.microsoft.com/office/drawing/2014/main" xmlns="" id="{1D70FE0D-ACBA-4806-9F35-4EB786E865FE}"/>
               </a:ext>
             </a:extLst>
           </p:cNvPr>
@@ -572,7 +572,7 @@
           <p:cNvPr id="6" name="슬라이드 번호 개체 틀 5">
             <a:extLst>
               <a:ext uri="{FF2B5EF4-FFF2-40B4-BE49-F238E27FC236}">
-                <a16:creationId xmlns="" xmlns:a16="http://schemas.microsoft.com/office/drawing/2014/main" id="{A7F3119A-4AE1-408F-B8AD-4428B0060B24}"/>
+                <a16:creationId xmlns:a16="http://schemas.microsoft.com/office/drawing/2014/main" xmlns="" id="{A7F3119A-4AE1-408F-B8AD-4428B0060B24}"/>
               </a:ext>
             </a:extLst>
           </p:cNvPr>
@@ -644,7 +644,7 @@
           <p:cNvPr id="2" name="세로 제목 1">
             <a:extLst>
               <a:ext uri="{FF2B5EF4-FFF2-40B4-BE49-F238E27FC236}">
-                <a16:creationId xmlns="" xmlns:a16="http://schemas.microsoft.com/office/drawing/2014/main" id="{F0B3D2AB-E650-41C2-B6FB-5398A5C19680}"/>
+                <a16:creationId xmlns:a16="http://schemas.microsoft.com/office/drawing/2014/main" xmlns="" id="{F0B3D2AB-E650-41C2-B6FB-5398A5C19680}"/>
               </a:ext>
             </a:extLst>
           </p:cNvPr>
@@ -677,7 +677,7 @@
           <p:cNvPr id="3" name="세로 텍스트 개체 틀 2">
             <a:extLst>
               <a:ext uri="{FF2B5EF4-FFF2-40B4-BE49-F238E27FC236}">
-                <a16:creationId xmlns="" xmlns:a16="http://schemas.microsoft.com/office/drawing/2014/main" id="{992D6516-8F93-4221-97F7-E01D89EE517D}"/>
+                <a16:creationId xmlns:a16="http://schemas.microsoft.com/office/drawing/2014/main" xmlns="" id="{992D6516-8F93-4221-97F7-E01D89EE517D}"/>
               </a:ext>
             </a:extLst>
           </p:cNvPr>
@@ -739,7 +739,7 @@
           <p:cNvPr id="4" name="날짜 개체 틀 3">
             <a:extLst>
               <a:ext uri="{FF2B5EF4-FFF2-40B4-BE49-F238E27FC236}">
-                <a16:creationId xmlns="" xmlns:a16="http://schemas.microsoft.com/office/drawing/2014/main" id="{8D86CB26-A349-496A-B48B-A7B891172236}"/>
+                <a16:creationId xmlns:a16="http://schemas.microsoft.com/office/drawing/2014/main" xmlns="" id="{8D86CB26-A349-496A-B48B-A7B891172236}"/>
               </a:ext>
             </a:extLst>
           </p:cNvPr>
@@ -781,7 +781,7 @@
           <p:cNvPr id="5" name="바닥글 개체 틀 4">
             <a:extLst>
               <a:ext uri="{FF2B5EF4-FFF2-40B4-BE49-F238E27FC236}">
-                <a16:creationId xmlns="" xmlns:a16="http://schemas.microsoft.com/office/drawing/2014/main" id="{C2E726FD-A739-41D5-96BA-4670363928CF}"/>
+                <a16:creationId xmlns:a16="http://schemas.microsoft.com/office/drawing/2014/main" xmlns="" id="{C2E726FD-A739-41D5-96BA-4670363928CF}"/>
               </a:ext>
             </a:extLst>
           </p:cNvPr>
@@ -812,7 +812,7 @@
           <p:cNvPr id="6" name="슬라이드 번호 개체 틀 5">
             <a:extLst>
               <a:ext uri="{FF2B5EF4-FFF2-40B4-BE49-F238E27FC236}">
-                <a16:creationId xmlns="" xmlns:a16="http://schemas.microsoft.com/office/drawing/2014/main" id="{60FAE18D-FED5-4070-8B76-811D76CCECC9}"/>
+                <a16:creationId xmlns:a16="http://schemas.microsoft.com/office/drawing/2014/main" xmlns="" id="{60FAE18D-FED5-4070-8B76-811D76CCECC9}"/>
               </a:ext>
             </a:extLst>
           </p:cNvPr>
@@ -884,7 +884,7 @@
           <p:cNvPr id="2" name="제목 1">
             <a:extLst>
               <a:ext uri="{FF2B5EF4-FFF2-40B4-BE49-F238E27FC236}">
-                <a16:creationId xmlns="" xmlns:a16="http://schemas.microsoft.com/office/drawing/2014/main" id="{5CC6958D-28E5-4CC8-8C48-52A02A1BC426}"/>
+                <a16:creationId xmlns:a16="http://schemas.microsoft.com/office/drawing/2014/main" xmlns="" id="{5CC6958D-28E5-4CC8-8C48-52A02A1BC426}"/>
               </a:ext>
             </a:extLst>
           </p:cNvPr>
@@ -912,7 +912,7 @@
           <p:cNvPr id="3" name="내용 개체 틀 2">
             <a:extLst>
               <a:ext uri="{FF2B5EF4-FFF2-40B4-BE49-F238E27FC236}">
-                <a16:creationId xmlns="" xmlns:a16="http://schemas.microsoft.com/office/drawing/2014/main" id="{E8E03031-827B-4AC7-B564-384C16177476}"/>
+                <a16:creationId xmlns:a16="http://schemas.microsoft.com/office/drawing/2014/main" xmlns="" id="{E8E03031-827B-4AC7-B564-384C16177476}"/>
               </a:ext>
             </a:extLst>
           </p:cNvPr>
@@ -969,7 +969,7 @@
           <p:cNvPr id="4" name="날짜 개체 틀 3">
             <a:extLst>
               <a:ext uri="{FF2B5EF4-FFF2-40B4-BE49-F238E27FC236}">
-                <a16:creationId xmlns="" xmlns:a16="http://schemas.microsoft.com/office/drawing/2014/main" id="{11C19838-69C9-49EB-9B51-549106E9B8DE}"/>
+                <a16:creationId xmlns:a16="http://schemas.microsoft.com/office/drawing/2014/main" xmlns="" id="{11C19838-69C9-49EB-9B51-549106E9B8DE}"/>
               </a:ext>
             </a:extLst>
           </p:cNvPr>
@@ -1011,7 +1011,7 @@
           <p:cNvPr id="5" name="바닥글 개체 틀 4">
             <a:extLst>
               <a:ext uri="{FF2B5EF4-FFF2-40B4-BE49-F238E27FC236}">
-                <a16:creationId xmlns="" xmlns:a16="http://schemas.microsoft.com/office/drawing/2014/main" id="{3C26852C-90C9-4502-A697-363CF824CFD0}"/>
+                <a16:creationId xmlns:a16="http://schemas.microsoft.com/office/drawing/2014/main" xmlns="" id="{3C26852C-90C9-4502-A697-363CF824CFD0}"/>
               </a:ext>
             </a:extLst>
           </p:cNvPr>
@@ -1042,7 +1042,7 @@
           <p:cNvPr id="6" name="슬라이드 번호 개체 틀 5">
             <a:extLst>
               <a:ext uri="{FF2B5EF4-FFF2-40B4-BE49-F238E27FC236}">
-                <a16:creationId xmlns="" xmlns:a16="http://schemas.microsoft.com/office/drawing/2014/main" id="{DF7509D0-CCBD-406A-9D4E-6845657BBAED}"/>
+                <a16:creationId xmlns:a16="http://schemas.microsoft.com/office/drawing/2014/main" xmlns="" id="{DF7509D0-CCBD-406A-9D4E-6845657BBAED}"/>
               </a:ext>
             </a:extLst>
           </p:cNvPr>
@@ -1114,7 +1114,7 @@
           <p:cNvPr id="2" name="제목 1">
             <a:extLst>
               <a:ext uri="{FF2B5EF4-FFF2-40B4-BE49-F238E27FC236}">
-                <a16:creationId xmlns="" xmlns:a16="http://schemas.microsoft.com/office/drawing/2014/main" id="{6CEF73EF-188B-4B17-B08F-D30E80C308D0}"/>
+                <a16:creationId xmlns:a16="http://schemas.microsoft.com/office/drawing/2014/main" xmlns="" id="{6CEF73EF-188B-4B17-B08F-D30E80C308D0}"/>
               </a:ext>
             </a:extLst>
           </p:cNvPr>
@@ -1151,7 +1151,7 @@
           <p:cNvPr id="3" name="텍스트 개체 틀 2">
             <a:extLst>
               <a:ext uri="{FF2B5EF4-FFF2-40B4-BE49-F238E27FC236}">
-                <a16:creationId xmlns="" xmlns:a16="http://schemas.microsoft.com/office/drawing/2014/main" id="{DD7DD2CA-F9BF-47A8-9D27-757556FD1CEE}"/>
+                <a16:creationId xmlns:a16="http://schemas.microsoft.com/office/drawing/2014/main" xmlns="" id="{DD7DD2CA-F9BF-47A8-9D27-757556FD1CEE}"/>
               </a:ext>
             </a:extLst>
           </p:cNvPr>
@@ -1276,7 +1276,7 @@
           <p:cNvPr id="4" name="날짜 개체 틀 3">
             <a:extLst>
               <a:ext uri="{FF2B5EF4-FFF2-40B4-BE49-F238E27FC236}">
-                <a16:creationId xmlns="" xmlns:a16="http://schemas.microsoft.com/office/drawing/2014/main" id="{DE78A1FB-ABBF-480D-AC6C-9BB1AEF9789B}"/>
+                <a16:creationId xmlns:a16="http://schemas.microsoft.com/office/drawing/2014/main" xmlns="" id="{DE78A1FB-ABBF-480D-AC6C-9BB1AEF9789B}"/>
               </a:ext>
             </a:extLst>
           </p:cNvPr>
@@ -1318,7 +1318,7 @@
           <p:cNvPr id="5" name="바닥글 개체 틀 4">
             <a:extLst>
               <a:ext uri="{FF2B5EF4-FFF2-40B4-BE49-F238E27FC236}">
-                <a16:creationId xmlns="" xmlns:a16="http://schemas.microsoft.com/office/drawing/2014/main" id="{6384247E-1D11-4A19-BDDF-E157A205B45F}"/>
+                <a16:creationId xmlns:a16="http://schemas.microsoft.com/office/drawing/2014/main" xmlns="" id="{6384247E-1D11-4A19-BDDF-E157A205B45F}"/>
               </a:ext>
             </a:extLst>
           </p:cNvPr>
@@ -1349,7 +1349,7 @@
           <p:cNvPr id="6" name="슬라이드 번호 개체 틀 5">
             <a:extLst>
               <a:ext uri="{FF2B5EF4-FFF2-40B4-BE49-F238E27FC236}">
-                <a16:creationId xmlns="" xmlns:a16="http://schemas.microsoft.com/office/drawing/2014/main" id="{124EC815-B6FC-4BDE-910C-F8015ED4AD75}"/>
+                <a16:creationId xmlns:a16="http://schemas.microsoft.com/office/drawing/2014/main" xmlns="" id="{124EC815-B6FC-4BDE-910C-F8015ED4AD75}"/>
               </a:ext>
             </a:extLst>
           </p:cNvPr>
@@ -1421,7 +1421,7 @@
           <p:cNvPr id="2" name="제목 1">
             <a:extLst>
               <a:ext uri="{FF2B5EF4-FFF2-40B4-BE49-F238E27FC236}">
-                <a16:creationId xmlns="" xmlns:a16="http://schemas.microsoft.com/office/drawing/2014/main" id="{B4DAEB91-29AA-4ACC-BDCF-960470FCA5A1}"/>
+                <a16:creationId xmlns:a16="http://schemas.microsoft.com/office/drawing/2014/main" xmlns="" id="{B4DAEB91-29AA-4ACC-BDCF-960470FCA5A1}"/>
               </a:ext>
             </a:extLst>
           </p:cNvPr>
@@ -1449,7 +1449,7 @@
           <p:cNvPr id="3" name="내용 개체 틀 2">
             <a:extLst>
               <a:ext uri="{FF2B5EF4-FFF2-40B4-BE49-F238E27FC236}">
-                <a16:creationId xmlns="" xmlns:a16="http://schemas.microsoft.com/office/drawing/2014/main" id="{256B0E51-7DC0-45B6-8306-D8167F5CB7C8}"/>
+                <a16:creationId xmlns:a16="http://schemas.microsoft.com/office/drawing/2014/main" xmlns="" id="{256B0E51-7DC0-45B6-8306-D8167F5CB7C8}"/>
               </a:ext>
             </a:extLst>
           </p:cNvPr>
@@ -1511,7 +1511,7 @@
           <p:cNvPr id="4" name="내용 개체 틀 3">
             <a:extLst>
               <a:ext uri="{FF2B5EF4-FFF2-40B4-BE49-F238E27FC236}">
-                <a16:creationId xmlns="" xmlns:a16="http://schemas.microsoft.com/office/drawing/2014/main" id="{F7CB78CC-8798-4261-B4B1-60B4C54377A7}"/>
+                <a16:creationId xmlns:a16="http://schemas.microsoft.com/office/drawing/2014/main" xmlns="" id="{F7CB78CC-8798-4261-B4B1-60B4C54377A7}"/>
               </a:ext>
             </a:extLst>
           </p:cNvPr>
@@ -1573,7 +1573,7 @@
           <p:cNvPr id="5" name="날짜 개체 틀 4">
             <a:extLst>
               <a:ext uri="{FF2B5EF4-FFF2-40B4-BE49-F238E27FC236}">
-                <a16:creationId xmlns="" xmlns:a16="http://schemas.microsoft.com/office/drawing/2014/main" id="{79594384-5734-4FC8-928A-E1641354A126}"/>
+                <a16:creationId xmlns:a16="http://schemas.microsoft.com/office/drawing/2014/main" xmlns="" id="{79594384-5734-4FC8-928A-E1641354A126}"/>
               </a:ext>
             </a:extLst>
           </p:cNvPr>
@@ -1615,7 +1615,7 @@
           <p:cNvPr id="6" name="바닥글 개체 틀 5">
             <a:extLst>
               <a:ext uri="{FF2B5EF4-FFF2-40B4-BE49-F238E27FC236}">
-                <a16:creationId xmlns="" xmlns:a16="http://schemas.microsoft.com/office/drawing/2014/main" id="{282301C0-6908-48C0-8957-C8B3F4594C5A}"/>
+                <a16:creationId xmlns:a16="http://schemas.microsoft.com/office/drawing/2014/main" xmlns="" id="{282301C0-6908-48C0-8957-C8B3F4594C5A}"/>
               </a:ext>
             </a:extLst>
           </p:cNvPr>
@@ -1646,7 +1646,7 @@
           <p:cNvPr id="7" name="슬라이드 번호 개체 틀 6">
             <a:extLst>
               <a:ext uri="{FF2B5EF4-FFF2-40B4-BE49-F238E27FC236}">
-                <a16:creationId xmlns="" xmlns:a16="http://schemas.microsoft.com/office/drawing/2014/main" id="{507DD8FE-7741-412F-947D-7A7079F48607}"/>
+                <a16:creationId xmlns:a16="http://schemas.microsoft.com/office/drawing/2014/main" xmlns="" id="{507DD8FE-7741-412F-947D-7A7079F48607}"/>
               </a:ext>
             </a:extLst>
           </p:cNvPr>
@@ -1718,7 +1718,7 @@
           <p:cNvPr id="2" name="제목 1">
             <a:extLst>
               <a:ext uri="{FF2B5EF4-FFF2-40B4-BE49-F238E27FC236}">
-                <a16:creationId xmlns="" xmlns:a16="http://schemas.microsoft.com/office/drawing/2014/main" id="{BBD6DFD1-B640-4CC6-A759-6C7981C5CD61}"/>
+                <a16:creationId xmlns:a16="http://schemas.microsoft.com/office/drawing/2014/main" xmlns="" id="{BBD6DFD1-B640-4CC6-A759-6C7981C5CD61}"/>
               </a:ext>
             </a:extLst>
           </p:cNvPr>
@@ -1751,7 +1751,7 @@
           <p:cNvPr id="3" name="텍스트 개체 틀 2">
             <a:extLst>
               <a:ext uri="{FF2B5EF4-FFF2-40B4-BE49-F238E27FC236}">
-                <a16:creationId xmlns="" xmlns:a16="http://schemas.microsoft.com/office/drawing/2014/main" id="{25B2A237-7572-46BD-9502-829F6C0AD4F8}"/>
+                <a16:creationId xmlns:a16="http://schemas.microsoft.com/office/drawing/2014/main" xmlns="" id="{25B2A237-7572-46BD-9502-829F6C0AD4F8}"/>
               </a:ext>
             </a:extLst>
           </p:cNvPr>
@@ -1822,7 +1822,7 @@
           <p:cNvPr id="4" name="내용 개체 틀 3">
             <a:extLst>
               <a:ext uri="{FF2B5EF4-FFF2-40B4-BE49-F238E27FC236}">
-                <a16:creationId xmlns="" xmlns:a16="http://schemas.microsoft.com/office/drawing/2014/main" id="{81AE9732-B570-4506-BDA6-0AB39D453684}"/>
+                <a16:creationId xmlns:a16="http://schemas.microsoft.com/office/drawing/2014/main" xmlns="" id="{81AE9732-B570-4506-BDA6-0AB39D453684}"/>
               </a:ext>
             </a:extLst>
           </p:cNvPr>
@@ -1884,7 +1884,7 @@
           <p:cNvPr id="5" name="텍스트 개체 틀 4">
             <a:extLst>
               <a:ext uri="{FF2B5EF4-FFF2-40B4-BE49-F238E27FC236}">
-                <a16:creationId xmlns="" xmlns:a16="http://schemas.microsoft.com/office/drawing/2014/main" id="{A289407D-7DA6-4293-A426-38DF9B21160E}"/>
+                <a16:creationId xmlns:a16="http://schemas.microsoft.com/office/drawing/2014/main" xmlns="" id="{A289407D-7DA6-4293-A426-38DF9B21160E}"/>
               </a:ext>
             </a:extLst>
           </p:cNvPr>
@@ -1955,7 +1955,7 @@
           <p:cNvPr id="6" name="내용 개체 틀 5">
             <a:extLst>
               <a:ext uri="{FF2B5EF4-FFF2-40B4-BE49-F238E27FC236}">
-                <a16:creationId xmlns="" xmlns:a16="http://schemas.microsoft.com/office/drawing/2014/main" id="{F239549F-370A-4671-B1BB-79655CC6CB8C}"/>
+                <a16:creationId xmlns:a16="http://schemas.microsoft.com/office/drawing/2014/main" xmlns="" id="{F239549F-370A-4671-B1BB-79655CC6CB8C}"/>
               </a:ext>
             </a:extLst>
           </p:cNvPr>
@@ -2017,7 +2017,7 @@
           <p:cNvPr id="7" name="날짜 개체 틀 6">
             <a:extLst>
               <a:ext uri="{FF2B5EF4-FFF2-40B4-BE49-F238E27FC236}">
-                <a16:creationId xmlns="" xmlns:a16="http://schemas.microsoft.com/office/drawing/2014/main" id="{A86D9E62-97AA-41F8-B69B-6CD691CF0E2A}"/>
+                <a16:creationId xmlns:a16="http://schemas.microsoft.com/office/drawing/2014/main" xmlns="" id="{A86D9E62-97AA-41F8-B69B-6CD691CF0E2A}"/>
               </a:ext>
             </a:extLst>
           </p:cNvPr>
@@ -2059,7 +2059,7 @@
           <p:cNvPr id="8" name="바닥글 개체 틀 7">
             <a:extLst>
               <a:ext uri="{FF2B5EF4-FFF2-40B4-BE49-F238E27FC236}">
-                <a16:creationId xmlns="" xmlns:a16="http://schemas.microsoft.com/office/drawing/2014/main" id="{F41D3FC0-561B-4DE4-AA99-9DB56EC6B344}"/>
+                <a16:creationId xmlns:a16="http://schemas.microsoft.com/office/drawing/2014/main" xmlns="" id="{F41D3FC0-561B-4DE4-AA99-9DB56EC6B344}"/>
               </a:ext>
             </a:extLst>
           </p:cNvPr>
@@ -2090,7 +2090,7 @@
           <p:cNvPr id="9" name="슬라이드 번호 개체 틀 8">
             <a:extLst>
               <a:ext uri="{FF2B5EF4-FFF2-40B4-BE49-F238E27FC236}">
-                <a16:creationId xmlns="" xmlns:a16="http://schemas.microsoft.com/office/drawing/2014/main" id="{AD0040F2-99C5-450C-9966-5D00290EBF69}"/>
+                <a16:creationId xmlns:a16="http://schemas.microsoft.com/office/drawing/2014/main" xmlns="" id="{AD0040F2-99C5-450C-9966-5D00290EBF69}"/>
               </a:ext>
             </a:extLst>
           </p:cNvPr>
@@ -2162,7 +2162,7 @@
           <p:cNvPr id="2" name="제목 1">
             <a:extLst>
               <a:ext uri="{FF2B5EF4-FFF2-40B4-BE49-F238E27FC236}">
-                <a16:creationId xmlns="" xmlns:a16="http://schemas.microsoft.com/office/drawing/2014/main" id="{C6E337C1-8281-4F6E-9A31-EBE388C3C82F}"/>
+                <a16:creationId xmlns:a16="http://schemas.microsoft.com/office/drawing/2014/main" xmlns="" id="{C6E337C1-8281-4F6E-9A31-EBE388C3C82F}"/>
               </a:ext>
             </a:extLst>
           </p:cNvPr>
@@ -2190,7 +2190,7 @@
           <p:cNvPr id="3" name="날짜 개체 틀 2">
             <a:extLst>
               <a:ext uri="{FF2B5EF4-FFF2-40B4-BE49-F238E27FC236}">
-                <a16:creationId xmlns="" xmlns:a16="http://schemas.microsoft.com/office/drawing/2014/main" id="{00EA4B32-9135-4223-8DE6-887D2743405B}"/>
+                <a16:creationId xmlns:a16="http://schemas.microsoft.com/office/drawing/2014/main" xmlns="" id="{00EA4B32-9135-4223-8DE6-887D2743405B}"/>
               </a:ext>
             </a:extLst>
           </p:cNvPr>
@@ -2232,7 +2232,7 @@
           <p:cNvPr id="4" name="바닥글 개체 틀 3">
             <a:extLst>
               <a:ext uri="{FF2B5EF4-FFF2-40B4-BE49-F238E27FC236}">
-                <a16:creationId xmlns="" xmlns:a16="http://schemas.microsoft.com/office/drawing/2014/main" id="{9407FC83-8D70-48DB-8681-08CFD9C0DA58}"/>
+                <a16:creationId xmlns:a16="http://schemas.microsoft.com/office/drawing/2014/main" xmlns="" id="{9407FC83-8D70-48DB-8681-08CFD9C0DA58}"/>
               </a:ext>
             </a:extLst>
           </p:cNvPr>
@@ -2263,7 +2263,7 @@
           <p:cNvPr id="5" name="슬라이드 번호 개체 틀 4">
             <a:extLst>
               <a:ext uri="{FF2B5EF4-FFF2-40B4-BE49-F238E27FC236}">
-                <a16:creationId xmlns="" xmlns:a16="http://schemas.microsoft.com/office/drawing/2014/main" id="{A8FC15EC-BCCB-4B82-A94C-FABC63DF674F}"/>
+                <a16:creationId xmlns:a16="http://schemas.microsoft.com/office/drawing/2014/main" xmlns="" id="{A8FC15EC-BCCB-4B82-A94C-FABC63DF674F}"/>
               </a:ext>
             </a:extLst>
           </p:cNvPr>
@@ -2335,7 +2335,7 @@
           <p:cNvPr id="2" name="날짜 개체 틀 1">
             <a:extLst>
               <a:ext uri="{FF2B5EF4-FFF2-40B4-BE49-F238E27FC236}">
-                <a16:creationId xmlns="" xmlns:a16="http://schemas.microsoft.com/office/drawing/2014/main" id="{2B9F9692-5462-4439-80C8-B7E337FC9AC3}"/>
+                <a16:creationId xmlns:a16="http://schemas.microsoft.com/office/drawing/2014/main" xmlns="" id="{2B9F9692-5462-4439-80C8-B7E337FC9AC3}"/>
               </a:ext>
             </a:extLst>
           </p:cNvPr>
@@ -2377,7 +2377,7 @@
           <p:cNvPr id="3" name="바닥글 개체 틀 2">
             <a:extLst>
               <a:ext uri="{FF2B5EF4-FFF2-40B4-BE49-F238E27FC236}">
-                <a16:creationId xmlns="" xmlns:a16="http://schemas.microsoft.com/office/drawing/2014/main" id="{94CA042D-EBC0-437C-A819-521611A545F2}"/>
+                <a16:creationId xmlns:a16="http://schemas.microsoft.com/office/drawing/2014/main" xmlns="" id="{94CA042D-EBC0-437C-A819-521611A545F2}"/>
               </a:ext>
             </a:extLst>
           </p:cNvPr>
@@ -2408,7 +2408,7 @@
           <p:cNvPr id="4" name="슬라이드 번호 개체 틀 3">
             <a:extLst>
               <a:ext uri="{FF2B5EF4-FFF2-40B4-BE49-F238E27FC236}">
-                <a16:creationId xmlns="" xmlns:a16="http://schemas.microsoft.com/office/drawing/2014/main" id="{A2415CDA-0D1F-49BD-8381-21C3BEFD5A98}"/>
+                <a16:creationId xmlns:a16="http://schemas.microsoft.com/office/drawing/2014/main" xmlns="" id="{A2415CDA-0D1F-49BD-8381-21C3BEFD5A98}"/>
               </a:ext>
             </a:extLst>
           </p:cNvPr>
@@ -2480,7 +2480,7 @@
           <p:cNvPr id="2" name="제목 1">
             <a:extLst>
               <a:ext uri="{FF2B5EF4-FFF2-40B4-BE49-F238E27FC236}">
-                <a16:creationId xmlns="" xmlns:a16="http://schemas.microsoft.com/office/drawing/2014/main" id="{2A6F10D4-8D29-48C2-ADF0-92316E2C8E4E}"/>
+                <a16:creationId xmlns:a16="http://schemas.microsoft.com/office/drawing/2014/main" xmlns="" id="{2A6F10D4-8D29-48C2-ADF0-92316E2C8E4E}"/>
               </a:ext>
             </a:extLst>
           </p:cNvPr>
@@ -2517,7 +2517,7 @@
           <p:cNvPr id="3" name="내용 개체 틀 2">
             <a:extLst>
               <a:ext uri="{FF2B5EF4-FFF2-40B4-BE49-F238E27FC236}">
-                <a16:creationId xmlns="" xmlns:a16="http://schemas.microsoft.com/office/drawing/2014/main" id="{BBBA3CD3-DE79-4260-873A-FEDE5C678F80}"/>
+                <a16:creationId xmlns:a16="http://schemas.microsoft.com/office/drawing/2014/main" xmlns="" id="{BBBA3CD3-DE79-4260-873A-FEDE5C678F80}"/>
               </a:ext>
             </a:extLst>
           </p:cNvPr>
@@ -2607,7 +2607,7 @@
           <p:cNvPr id="4" name="텍스트 개체 틀 3">
             <a:extLst>
               <a:ext uri="{FF2B5EF4-FFF2-40B4-BE49-F238E27FC236}">
-                <a16:creationId xmlns="" xmlns:a16="http://schemas.microsoft.com/office/drawing/2014/main" id="{319C6BD2-52A1-4155-9D55-1D847772EA8C}"/>
+                <a16:creationId xmlns:a16="http://schemas.microsoft.com/office/drawing/2014/main" xmlns="" id="{319C6BD2-52A1-4155-9D55-1D847772EA8C}"/>
               </a:ext>
             </a:extLst>
           </p:cNvPr>
@@ -2678,7 +2678,7 @@
           <p:cNvPr id="5" name="날짜 개체 틀 4">
             <a:extLst>
               <a:ext uri="{FF2B5EF4-FFF2-40B4-BE49-F238E27FC236}">
-                <a16:creationId xmlns="" xmlns:a16="http://schemas.microsoft.com/office/drawing/2014/main" id="{982A3511-0B13-4D97-937C-07365FBADAEA}"/>
+                <a16:creationId xmlns:a16="http://schemas.microsoft.com/office/drawing/2014/main" xmlns="" id="{982A3511-0B13-4D97-937C-07365FBADAEA}"/>
               </a:ext>
             </a:extLst>
           </p:cNvPr>
@@ -2720,7 +2720,7 @@
           <p:cNvPr id="6" name="바닥글 개체 틀 5">
             <a:extLst>
               <a:ext uri="{FF2B5EF4-FFF2-40B4-BE49-F238E27FC236}">
-                <a16:creationId xmlns="" xmlns:a16="http://schemas.microsoft.com/office/drawing/2014/main" id="{54C805B4-20AF-4A3C-B131-E1D9FFBB024D}"/>
+                <a16:creationId xmlns:a16="http://schemas.microsoft.com/office/drawing/2014/main" xmlns="" id="{54C805B4-20AF-4A3C-B131-E1D9FFBB024D}"/>
               </a:ext>
             </a:extLst>
           </p:cNvPr>
@@ -2751,7 +2751,7 @@
           <p:cNvPr id="7" name="슬라이드 번호 개체 틀 6">
             <a:extLst>
               <a:ext uri="{FF2B5EF4-FFF2-40B4-BE49-F238E27FC236}">
-                <a16:creationId xmlns="" xmlns:a16="http://schemas.microsoft.com/office/drawing/2014/main" id="{89C705FC-2895-472A-B6FD-C2434624BB3B}"/>
+                <a16:creationId xmlns:a16="http://schemas.microsoft.com/office/drawing/2014/main" xmlns="" id="{89C705FC-2895-472A-B6FD-C2434624BB3B}"/>
               </a:ext>
             </a:extLst>
           </p:cNvPr>
@@ -2823,7 +2823,7 @@
           <p:cNvPr id="2" name="제목 1">
             <a:extLst>
               <a:ext uri="{FF2B5EF4-FFF2-40B4-BE49-F238E27FC236}">
-                <a16:creationId xmlns="" xmlns:a16="http://schemas.microsoft.com/office/drawing/2014/main" id="{4C00D820-915B-4802-8C2E-FF7CA967E012}"/>
+                <a16:creationId xmlns:a16="http://schemas.microsoft.com/office/drawing/2014/main" xmlns="" id="{4C00D820-915B-4802-8C2E-FF7CA967E012}"/>
               </a:ext>
             </a:extLst>
           </p:cNvPr>
@@ -2860,7 +2860,7 @@
           <p:cNvPr id="3" name="그림 개체 틀 2">
             <a:extLst>
               <a:ext uri="{FF2B5EF4-FFF2-40B4-BE49-F238E27FC236}">
-                <a16:creationId xmlns="" xmlns:a16="http://schemas.microsoft.com/office/drawing/2014/main" id="{10CF9849-20D0-417A-99C8-099DF39939AC}"/>
+                <a16:creationId xmlns:a16="http://schemas.microsoft.com/office/drawing/2014/main" xmlns="" id="{10CF9849-20D0-417A-99C8-099DF39939AC}"/>
               </a:ext>
             </a:extLst>
           </p:cNvPr>
@@ -2927,7 +2927,7 @@
           <p:cNvPr id="4" name="텍스트 개체 틀 3">
             <a:extLst>
               <a:ext uri="{FF2B5EF4-FFF2-40B4-BE49-F238E27FC236}">
-                <a16:creationId xmlns="" xmlns:a16="http://schemas.microsoft.com/office/drawing/2014/main" id="{144A7754-54E7-4123-8C5E-1B05B517B5D4}"/>
+                <a16:creationId xmlns:a16="http://schemas.microsoft.com/office/drawing/2014/main" xmlns="" id="{144A7754-54E7-4123-8C5E-1B05B517B5D4}"/>
               </a:ext>
             </a:extLst>
           </p:cNvPr>
@@ -2998,7 +2998,7 @@
           <p:cNvPr id="5" name="날짜 개체 틀 4">
             <a:extLst>
               <a:ext uri="{FF2B5EF4-FFF2-40B4-BE49-F238E27FC236}">
-                <a16:creationId xmlns="" xmlns:a16="http://schemas.microsoft.com/office/drawing/2014/main" id="{3AFFF3F1-9632-4E06-BAB7-312343416AE9}"/>
+                <a16:creationId xmlns:a16="http://schemas.microsoft.com/office/drawing/2014/main" xmlns="" id="{3AFFF3F1-9632-4E06-BAB7-312343416AE9}"/>
               </a:ext>
             </a:extLst>
           </p:cNvPr>
@@ -3040,7 +3040,7 @@
           <p:cNvPr id="6" name="바닥글 개체 틀 5">
             <a:extLst>
               <a:ext uri="{FF2B5EF4-FFF2-40B4-BE49-F238E27FC236}">
-                <a16:creationId xmlns="" xmlns:a16="http://schemas.microsoft.com/office/drawing/2014/main" id="{5F23D6B1-934F-4B4D-9E4F-5AE9E873CB6E}"/>
+                <a16:creationId xmlns:a16="http://schemas.microsoft.com/office/drawing/2014/main" xmlns="" id="{5F23D6B1-934F-4B4D-9E4F-5AE9E873CB6E}"/>
               </a:ext>
             </a:extLst>
           </p:cNvPr>
@@ -3071,7 +3071,7 @@
           <p:cNvPr id="7" name="슬라이드 번호 개체 틀 6">
             <a:extLst>
               <a:ext uri="{FF2B5EF4-FFF2-40B4-BE49-F238E27FC236}">
-                <a16:creationId xmlns="" xmlns:a16="http://schemas.microsoft.com/office/drawing/2014/main" id="{B157FDD5-2092-4E16-8E7C-1CCA4719CF8A}"/>
+                <a16:creationId xmlns:a16="http://schemas.microsoft.com/office/drawing/2014/main" xmlns="" id="{B157FDD5-2092-4E16-8E7C-1CCA4719CF8A}"/>
               </a:ext>
             </a:extLst>
           </p:cNvPr>
@@ -3148,7 +3148,7 @@
           <p:cNvPr id="2" name="제목 개체 틀 1">
             <a:extLst>
               <a:ext uri="{FF2B5EF4-FFF2-40B4-BE49-F238E27FC236}">
-                <a16:creationId xmlns="" xmlns:a16="http://schemas.microsoft.com/office/drawing/2014/main" id="{84C8B562-0886-4274-876D-59EFAAAE2F3B}"/>
+                <a16:creationId xmlns:a16="http://schemas.microsoft.com/office/drawing/2014/main" xmlns="" id="{84C8B562-0886-4274-876D-59EFAAAE2F3B}"/>
               </a:ext>
             </a:extLst>
           </p:cNvPr>
@@ -3186,7 +3186,7 @@
           <p:cNvPr id="3" name="텍스트 개체 틀 2">
             <a:extLst>
               <a:ext uri="{FF2B5EF4-FFF2-40B4-BE49-F238E27FC236}">
-                <a16:creationId xmlns="" xmlns:a16="http://schemas.microsoft.com/office/drawing/2014/main" id="{61799B9E-1CD2-4A09-9ACC-2FA1C62D7AF6}"/>
+                <a16:creationId xmlns:a16="http://schemas.microsoft.com/office/drawing/2014/main" xmlns="" id="{61799B9E-1CD2-4A09-9ACC-2FA1C62D7AF6}"/>
               </a:ext>
             </a:extLst>
           </p:cNvPr>
@@ -3253,7 +3253,7 @@
           <p:cNvPr id="4" name="날짜 개체 틀 3">
             <a:extLst>
               <a:ext uri="{FF2B5EF4-FFF2-40B4-BE49-F238E27FC236}">
-                <a16:creationId xmlns="" xmlns:a16="http://schemas.microsoft.com/office/drawing/2014/main" id="{42A0C5B4-9399-4A5E-8DEE-54436B1EC85C}"/>
+                <a16:creationId xmlns:a16="http://schemas.microsoft.com/office/drawing/2014/main" xmlns="" id="{42A0C5B4-9399-4A5E-8DEE-54436B1EC85C}"/>
               </a:ext>
             </a:extLst>
           </p:cNvPr>
@@ -3313,7 +3313,7 @@
           <p:cNvPr id="5" name="바닥글 개체 틀 4">
             <a:extLst>
               <a:ext uri="{FF2B5EF4-FFF2-40B4-BE49-F238E27FC236}">
-                <a16:creationId xmlns="" xmlns:a16="http://schemas.microsoft.com/office/drawing/2014/main" id="{F5B2B9FF-C0C5-4E9E-A76A-AF0745E2D88E}"/>
+                <a16:creationId xmlns:a16="http://schemas.microsoft.com/office/drawing/2014/main" xmlns="" id="{F5B2B9FF-C0C5-4E9E-A76A-AF0745E2D88E}"/>
               </a:ext>
             </a:extLst>
           </p:cNvPr>
@@ -3362,7 +3362,7 @@
           <p:cNvPr id="6" name="슬라이드 번호 개체 틀 5">
             <a:extLst>
               <a:ext uri="{FF2B5EF4-FFF2-40B4-BE49-F238E27FC236}">
-                <a16:creationId xmlns="" xmlns:a16="http://schemas.microsoft.com/office/drawing/2014/main" id="{E8992FE0-2D01-4365-9F95-1FF838BCEF3A}"/>
+                <a16:creationId xmlns:a16="http://schemas.microsoft.com/office/drawing/2014/main" xmlns="" id="{E8992FE0-2D01-4365-9F95-1FF838BCEF3A}"/>
               </a:ext>
             </a:extLst>
           </p:cNvPr>
@@ -5064,7 +5064,7 @@
           <p:cNvPr id="38" name="직사각형 37">
             <a:extLst>
               <a:ext uri="{FF2B5EF4-FFF2-40B4-BE49-F238E27FC236}">
-                <a16:creationId xmlns="" xmlns:a16="http://schemas.microsoft.com/office/drawing/2014/main" id="{3FA00699-5178-465A-9F3F-130CF1431F70}"/>
+                <a16:creationId xmlns:a16="http://schemas.microsoft.com/office/drawing/2014/main" xmlns="" id="{3FA00699-5178-465A-9F3F-130CF1431F70}"/>
               </a:ext>
             </a:extLst>
           </p:cNvPr>
@@ -6047,7 +6047,7 @@
           <p:cNvPr id="34" name="직사각형 33">
             <a:extLst>
               <a:ext uri="{FF2B5EF4-FFF2-40B4-BE49-F238E27FC236}">
-                <a16:creationId xmlns="" xmlns:a16="http://schemas.microsoft.com/office/drawing/2014/main" id="{3FA00699-5178-465A-9F3F-130CF1431F70}"/>
+                <a16:creationId xmlns:a16="http://schemas.microsoft.com/office/drawing/2014/main" xmlns="" id="{3FA00699-5178-465A-9F3F-130CF1431F70}"/>
               </a:ext>
             </a:extLst>
           </p:cNvPr>
@@ -7060,7 +7060,7 @@
           <p:cNvPr id="36" name="직사각형 35">
             <a:extLst>
               <a:ext uri="{FF2B5EF4-FFF2-40B4-BE49-F238E27FC236}">
-                <a16:creationId xmlns="" xmlns:a16="http://schemas.microsoft.com/office/drawing/2014/main" id="{3FA00699-5178-465A-9F3F-130CF1431F70}"/>
+                <a16:creationId xmlns:a16="http://schemas.microsoft.com/office/drawing/2014/main" xmlns="" id="{3FA00699-5178-465A-9F3F-130CF1431F70}"/>
               </a:ext>
             </a:extLst>
           </p:cNvPr>
@@ -7827,7 +7827,7 @@
           <p:cNvPr id="39" name="직사각형 38">
             <a:extLst>
               <a:ext uri="{FF2B5EF4-FFF2-40B4-BE49-F238E27FC236}">
-                <a16:creationId xmlns="" xmlns:a16="http://schemas.microsoft.com/office/drawing/2014/main" id="{3FA00699-5178-465A-9F3F-130CF1431F70}"/>
+                <a16:creationId xmlns:a16="http://schemas.microsoft.com/office/drawing/2014/main" xmlns="" id="{3FA00699-5178-465A-9F3F-130CF1431F70}"/>
               </a:ext>
             </a:extLst>
           </p:cNvPr>
@@ -8643,7 +8643,7 @@
           <p:cNvPr id="39" name="직사각형 38">
             <a:extLst>
               <a:ext uri="{FF2B5EF4-FFF2-40B4-BE49-F238E27FC236}">
-                <a16:creationId xmlns="" xmlns:a16="http://schemas.microsoft.com/office/drawing/2014/main" id="{3FA00699-5178-465A-9F3F-130CF1431F70}"/>
+                <a16:creationId xmlns:a16="http://schemas.microsoft.com/office/drawing/2014/main" xmlns="" id="{3FA00699-5178-465A-9F3F-130CF1431F70}"/>
               </a:ext>
             </a:extLst>
           </p:cNvPr>
@@ -9557,7 +9557,7 @@
           <p:cNvPr id="39" name="직사각형 38">
             <a:extLst>
               <a:ext uri="{FF2B5EF4-FFF2-40B4-BE49-F238E27FC236}">
-                <a16:creationId xmlns="" xmlns:a16="http://schemas.microsoft.com/office/drawing/2014/main" id="{3FA00699-5178-465A-9F3F-130CF1431F70}"/>
+                <a16:creationId xmlns:a16="http://schemas.microsoft.com/office/drawing/2014/main" xmlns="" id="{3FA00699-5178-465A-9F3F-130CF1431F70}"/>
               </a:ext>
             </a:extLst>
           </p:cNvPr>
@@ -10777,7 +10777,7 @@
           <p:cNvPr id="39" name="직사각형 38">
             <a:extLst>
               <a:ext uri="{FF2B5EF4-FFF2-40B4-BE49-F238E27FC236}">
-                <a16:creationId xmlns="" xmlns:a16="http://schemas.microsoft.com/office/drawing/2014/main" id="{3FA00699-5178-465A-9F3F-130CF1431F70}"/>
+                <a16:creationId xmlns:a16="http://schemas.microsoft.com/office/drawing/2014/main" xmlns="" id="{3FA00699-5178-465A-9F3F-130CF1431F70}"/>
               </a:ext>
             </a:extLst>
           </p:cNvPr>
@@ -11808,20 +11808,6 @@
                         </a:rPr>
                         <a:t>항목</a:t>
                       </a:r>
-                      <a:endParaRPr kumimoji="0" lang="ko-KR" altLang="en-US" sz="1400" b="1" i="0" u="none" strike="noStrike" kern="1200" cap="none" spc="0" normalizeH="0" baseline="0" noProof="0" dirty="0" smtClean="0">
-                        <a:ln>
-                          <a:noFill/>
-                        </a:ln>
-                        <a:solidFill>
-                          <a:prstClr val="white"/>
-                        </a:solidFill>
-                        <a:effectLst/>
-                        <a:uLnTx/>
-                        <a:uFillTx/>
-                        <a:latin typeface="+mn-lt"/>
-                        <a:ea typeface="+mn-ea"/>
-                        <a:cs typeface="+mn-cs"/>
-                      </a:endParaRPr>
                     </a:p>
                   </a:txBody>
                   <a:tcPr anchor="ctr">
@@ -12546,23 +12532,6 @@
                         </a:rPr>
                         <a:t>Excel</a:t>
                       </a:r>
-                      <a:endParaRPr kumimoji="0" lang="en-US" altLang="ko-KR" sz="1400" b="1" i="0" u="none" strike="noStrike" kern="1200" cap="none" spc="0" normalizeH="0" baseline="0" noProof="0" dirty="0" smtClean="0">
-                        <a:ln>
-                          <a:noFill/>
-                        </a:ln>
-                        <a:solidFill>
-                          <a:schemeClr val="tx1">
-                            <a:lumMod val="75000"/>
-                            <a:lumOff val="25000"/>
-                          </a:schemeClr>
-                        </a:solidFill>
-                        <a:effectLst/>
-                        <a:uLnTx/>
-                        <a:uFillTx/>
-                        <a:latin typeface="+mn-lt"/>
-                        <a:ea typeface="+mn-ea"/>
-                        <a:cs typeface="+mn-cs"/>
-                      </a:endParaRPr>
                     </a:p>
                   </a:txBody>
                   <a:tcPr anchor="ctr">
@@ -13843,7 +13812,7 @@
           <p:cNvPr id="20" name="자유형: 도형 377">
             <a:extLst>
               <a:ext uri="{FF2B5EF4-FFF2-40B4-BE49-F238E27FC236}">
-                <a16:creationId xmlns="" xmlns:a16="http://schemas.microsoft.com/office/drawing/2014/main" id="{0B4A7219-0820-4378-B811-331B8646398F}"/>
+                <a16:creationId xmlns:a16="http://schemas.microsoft.com/office/drawing/2014/main" xmlns="" id="{0B4A7219-0820-4378-B811-331B8646398F}"/>
               </a:ext>
             </a:extLst>
           </p:cNvPr>
@@ -13988,7 +13957,7 @@
           <p:cNvPr id="21" name="자유형: 도형 378">
             <a:extLst>
               <a:ext uri="{FF2B5EF4-FFF2-40B4-BE49-F238E27FC236}">
-                <a16:creationId xmlns="" xmlns:a16="http://schemas.microsoft.com/office/drawing/2014/main" id="{AE7688D0-57FD-4391-A3C9-1EB04A54396A}"/>
+                <a16:creationId xmlns:a16="http://schemas.microsoft.com/office/drawing/2014/main" xmlns="" id="{AE7688D0-57FD-4391-A3C9-1EB04A54396A}"/>
               </a:ext>
             </a:extLst>
           </p:cNvPr>
@@ -14133,7 +14102,7 @@
           <p:cNvPr id="22" name="자유형: 도형 379">
             <a:extLst>
               <a:ext uri="{FF2B5EF4-FFF2-40B4-BE49-F238E27FC236}">
-                <a16:creationId xmlns="" xmlns:a16="http://schemas.microsoft.com/office/drawing/2014/main" id="{C4615E6A-E0F5-484B-8040-DD0DD89211FD}"/>
+                <a16:creationId xmlns:a16="http://schemas.microsoft.com/office/drawing/2014/main" xmlns="" id="{C4615E6A-E0F5-484B-8040-DD0DD89211FD}"/>
               </a:ext>
             </a:extLst>
           </p:cNvPr>
@@ -14278,7 +14247,7 @@
           <p:cNvPr id="23" name="자유형: 도형 380">
             <a:extLst>
               <a:ext uri="{FF2B5EF4-FFF2-40B4-BE49-F238E27FC236}">
-                <a16:creationId xmlns="" xmlns:a16="http://schemas.microsoft.com/office/drawing/2014/main" id="{0937B8B0-8045-4AA8-B9F4-04B7C0AFDEBB}"/>
+                <a16:creationId xmlns:a16="http://schemas.microsoft.com/office/drawing/2014/main" xmlns="" id="{0937B8B0-8045-4AA8-B9F4-04B7C0AFDEBB}"/>
               </a:ext>
             </a:extLst>
           </p:cNvPr>
@@ -14423,7 +14392,7 @@
           <p:cNvPr id="24" name="자유형: 도형 381">
             <a:extLst>
               <a:ext uri="{FF2B5EF4-FFF2-40B4-BE49-F238E27FC236}">
-                <a16:creationId xmlns="" xmlns:a16="http://schemas.microsoft.com/office/drawing/2014/main" id="{DB9ADCEC-01D9-4BB3-81EE-B1429055FB91}"/>
+                <a16:creationId xmlns:a16="http://schemas.microsoft.com/office/drawing/2014/main" xmlns="" id="{DB9ADCEC-01D9-4BB3-81EE-B1429055FB91}"/>
               </a:ext>
             </a:extLst>
           </p:cNvPr>
@@ -14568,7 +14537,7 @@
           <p:cNvPr id="25" name="자유형: 도형 382">
             <a:extLst>
               <a:ext uri="{FF2B5EF4-FFF2-40B4-BE49-F238E27FC236}">
-                <a16:creationId xmlns="" xmlns:a16="http://schemas.microsoft.com/office/drawing/2014/main" id="{DB61C11B-0EC3-4996-906C-007E57835D42}"/>
+                <a16:creationId xmlns:a16="http://schemas.microsoft.com/office/drawing/2014/main" xmlns="" id="{DB61C11B-0EC3-4996-906C-007E57835D42}"/>
               </a:ext>
             </a:extLst>
           </p:cNvPr>
@@ -14713,7 +14682,7 @@
           <p:cNvPr id="26" name="자유형: 도형 383">
             <a:extLst>
               <a:ext uri="{FF2B5EF4-FFF2-40B4-BE49-F238E27FC236}">
-                <a16:creationId xmlns="" xmlns:a16="http://schemas.microsoft.com/office/drawing/2014/main" id="{044A0A9B-5CA5-4FE7-B917-B350C19EF0E6}"/>
+                <a16:creationId xmlns:a16="http://schemas.microsoft.com/office/drawing/2014/main" xmlns="" id="{044A0A9B-5CA5-4FE7-B917-B350C19EF0E6}"/>
               </a:ext>
             </a:extLst>
           </p:cNvPr>
@@ -14858,7 +14827,7 @@
           <p:cNvPr id="27" name="자유형: 도형 384">
             <a:extLst>
               <a:ext uri="{FF2B5EF4-FFF2-40B4-BE49-F238E27FC236}">
-                <a16:creationId xmlns="" xmlns:a16="http://schemas.microsoft.com/office/drawing/2014/main" id="{EA9897D2-716C-4BC1-98EE-5CC7B719C72B}"/>
+                <a16:creationId xmlns:a16="http://schemas.microsoft.com/office/drawing/2014/main" xmlns="" id="{EA9897D2-716C-4BC1-98EE-5CC7B719C72B}"/>
               </a:ext>
             </a:extLst>
           </p:cNvPr>
@@ -15003,7 +14972,7 @@
           <p:cNvPr id="28" name="자유형: 도형 385">
             <a:extLst>
               <a:ext uri="{FF2B5EF4-FFF2-40B4-BE49-F238E27FC236}">
-                <a16:creationId xmlns="" xmlns:a16="http://schemas.microsoft.com/office/drawing/2014/main" id="{7582865E-7A8F-44C3-912A-C087626FEDA9}"/>
+                <a16:creationId xmlns:a16="http://schemas.microsoft.com/office/drawing/2014/main" xmlns="" id="{7582865E-7A8F-44C3-912A-C087626FEDA9}"/>
               </a:ext>
             </a:extLst>
           </p:cNvPr>
@@ -15148,7 +15117,7 @@
           <p:cNvPr id="29" name="자유형: 도형 386">
             <a:extLst>
               <a:ext uri="{FF2B5EF4-FFF2-40B4-BE49-F238E27FC236}">
-                <a16:creationId xmlns="" xmlns:a16="http://schemas.microsoft.com/office/drawing/2014/main" id="{76E18406-54A4-401D-9DCA-86C76E3A933C}"/>
+                <a16:creationId xmlns:a16="http://schemas.microsoft.com/office/drawing/2014/main" xmlns="" id="{76E18406-54A4-401D-9DCA-86C76E3A933C}"/>
               </a:ext>
             </a:extLst>
           </p:cNvPr>
@@ -15293,7 +15262,7 @@
           <p:cNvPr id="30" name="자유형: 도형 387">
             <a:extLst>
               <a:ext uri="{FF2B5EF4-FFF2-40B4-BE49-F238E27FC236}">
-                <a16:creationId xmlns="" xmlns:a16="http://schemas.microsoft.com/office/drawing/2014/main" id="{78D016E9-A182-4180-A637-1A890C82CE6A}"/>
+                <a16:creationId xmlns:a16="http://schemas.microsoft.com/office/drawing/2014/main" xmlns="" id="{78D016E9-A182-4180-A637-1A890C82CE6A}"/>
               </a:ext>
             </a:extLst>
           </p:cNvPr>
@@ -15438,7 +15407,7 @@
           <p:cNvPr id="31" name="자유형: 도형 388">
             <a:extLst>
               <a:ext uri="{FF2B5EF4-FFF2-40B4-BE49-F238E27FC236}">
-                <a16:creationId xmlns="" xmlns:a16="http://schemas.microsoft.com/office/drawing/2014/main" id="{05F8530F-49F6-48DF-AD43-D138C77A6596}"/>
+                <a16:creationId xmlns:a16="http://schemas.microsoft.com/office/drawing/2014/main" xmlns="" id="{05F8530F-49F6-48DF-AD43-D138C77A6596}"/>
               </a:ext>
             </a:extLst>
           </p:cNvPr>
@@ -15583,7 +15552,7 @@
           <p:cNvPr id="32" name="자유형: 도형 389">
             <a:extLst>
               <a:ext uri="{FF2B5EF4-FFF2-40B4-BE49-F238E27FC236}">
-                <a16:creationId xmlns="" xmlns:a16="http://schemas.microsoft.com/office/drawing/2014/main" id="{98DCEC21-B8BD-43A7-8436-449C4406D27B}"/>
+                <a16:creationId xmlns:a16="http://schemas.microsoft.com/office/drawing/2014/main" xmlns="" id="{98DCEC21-B8BD-43A7-8436-449C4406D27B}"/>
               </a:ext>
             </a:extLst>
           </p:cNvPr>
@@ -15728,7 +15697,7 @@
           <p:cNvPr id="33" name="자유형: 도형 390">
             <a:extLst>
               <a:ext uri="{FF2B5EF4-FFF2-40B4-BE49-F238E27FC236}">
-                <a16:creationId xmlns="" xmlns:a16="http://schemas.microsoft.com/office/drawing/2014/main" id="{71FAF07A-965F-4A51-9977-FFFFAA15A432}"/>
+                <a16:creationId xmlns:a16="http://schemas.microsoft.com/office/drawing/2014/main" xmlns="" id="{71FAF07A-965F-4A51-9977-FFFFAA15A432}"/>
               </a:ext>
             </a:extLst>
           </p:cNvPr>
@@ -15873,7 +15842,7 @@
           <p:cNvPr id="34" name="자유형: 도형 391">
             <a:extLst>
               <a:ext uri="{FF2B5EF4-FFF2-40B4-BE49-F238E27FC236}">
-                <a16:creationId xmlns="" xmlns:a16="http://schemas.microsoft.com/office/drawing/2014/main" id="{5047EEFB-CDDB-46B7-AA56-F96C5BF34725}"/>
+                <a16:creationId xmlns:a16="http://schemas.microsoft.com/office/drawing/2014/main" xmlns="" id="{5047EEFB-CDDB-46B7-AA56-F96C5BF34725}"/>
               </a:ext>
             </a:extLst>
           </p:cNvPr>
@@ -16018,7 +15987,7 @@
           <p:cNvPr id="35" name="자유형: 도형 392">
             <a:extLst>
               <a:ext uri="{FF2B5EF4-FFF2-40B4-BE49-F238E27FC236}">
-                <a16:creationId xmlns="" xmlns:a16="http://schemas.microsoft.com/office/drawing/2014/main" id="{2D343500-5462-4C95-880B-385171314AB6}"/>
+                <a16:creationId xmlns:a16="http://schemas.microsoft.com/office/drawing/2014/main" xmlns="" id="{2D343500-5462-4C95-880B-385171314AB6}"/>
               </a:ext>
             </a:extLst>
           </p:cNvPr>
@@ -16163,7 +16132,7 @@
           <p:cNvPr id="36" name="자유형: 도형 393">
             <a:extLst>
               <a:ext uri="{FF2B5EF4-FFF2-40B4-BE49-F238E27FC236}">
-                <a16:creationId xmlns="" xmlns:a16="http://schemas.microsoft.com/office/drawing/2014/main" id="{7B3DA1B8-BF1B-4513-966C-2A916F28EFB9}"/>
+                <a16:creationId xmlns:a16="http://schemas.microsoft.com/office/drawing/2014/main" xmlns="" id="{7B3DA1B8-BF1B-4513-966C-2A916F28EFB9}"/>
               </a:ext>
             </a:extLst>
           </p:cNvPr>
@@ -16308,7 +16277,7 @@
           <p:cNvPr id="37" name="자유형: 도형 394">
             <a:extLst>
               <a:ext uri="{FF2B5EF4-FFF2-40B4-BE49-F238E27FC236}">
-                <a16:creationId xmlns="" xmlns:a16="http://schemas.microsoft.com/office/drawing/2014/main" id="{28F89FC3-982F-4923-9453-6F57D8E1E307}"/>
+                <a16:creationId xmlns:a16="http://schemas.microsoft.com/office/drawing/2014/main" xmlns="" id="{28F89FC3-982F-4923-9453-6F57D8E1E307}"/>
               </a:ext>
             </a:extLst>
           </p:cNvPr>
@@ -16453,7 +16422,7 @@
           <p:cNvPr id="38" name="자유형: 도형 395">
             <a:extLst>
               <a:ext uri="{FF2B5EF4-FFF2-40B4-BE49-F238E27FC236}">
-                <a16:creationId xmlns="" xmlns:a16="http://schemas.microsoft.com/office/drawing/2014/main" id="{0F995921-8CFB-4A23-8C8B-B2815AE8670A}"/>
+                <a16:creationId xmlns:a16="http://schemas.microsoft.com/office/drawing/2014/main" xmlns="" id="{0F995921-8CFB-4A23-8C8B-B2815AE8670A}"/>
               </a:ext>
             </a:extLst>
           </p:cNvPr>
@@ -16598,7 +16567,7 @@
           <p:cNvPr id="39" name="자유형: 도형 396">
             <a:extLst>
               <a:ext uri="{FF2B5EF4-FFF2-40B4-BE49-F238E27FC236}">
-                <a16:creationId xmlns="" xmlns:a16="http://schemas.microsoft.com/office/drawing/2014/main" id="{38E18007-DA79-4D7B-96F0-FEC1EB21386C}"/>
+                <a16:creationId xmlns:a16="http://schemas.microsoft.com/office/drawing/2014/main" xmlns="" id="{38E18007-DA79-4D7B-96F0-FEC1EB21386C}"/>
               </a:ext>
             </a:extLst>
           </p:cNvPr>
@@ -16743,7 +16712,7 @@
           <p:cNvPr id="40" name="자유형: 도형 397">
             <a:extLst>
               <a:ext uri="{FF2B5EF4-FFF2-40B4-BE49-F238E27FC236}">
-                <a16:creationId xmlns="" xmlns:a16="http://schemas.microsoft.com/office/drawing/2014/main" id="{C0E1BE7B-0A87-404E-B319-F1AE13922904}"/>
+                <a16:creationId xmlns:a16="http://schemas.microsoft.com/office/drawing/2014/main" xmlns="" id="{C0E1BE7B-0A87-404E-B319-F1AE13922904}"/>
               </a:ext>
             </a:extLst>
           </p:cNvPr>
@@ -16888,7 +16857,7 @@
           <p:cNvPr id="41" name="자유형: 도형 398">
             <a:extLst>
               <a:ext uri="{FF2B5EF4-FFF2-40B4-BE49-F238E27FC236}">
-                <a16:creationId xmlns="" xmlns:a16="http://schemas.microsoft.com/office/drawing/2014/main" id="{675C7C0F-8C6D-4AAF-BC5F-2B81DEB3E4E8}"/>
+                <a16:creationId xmlns:a16="http://schemas.microsoft.com/office/drawing/2014/main" xmlns="" id="{675C7C0F-8C6D-4AAF-BC5F-2B81DEB3E4E8}"/>
               </a:ext>
             </a:extLst>
           </p:cNvPr>
@@ -17033,7 +17002,7 @@
           <p:cNvPr id="42" name="자유형: 도형 399">
             <a:extLst>
               <a:ext uri="{FF2B5EF4-FFF2-40B4-BE49-F238E27FC236}">
-                <a16:creationId xmlns="" xmlns:a16="http://schemas.microsoft.com/office/drawing/2014/main" id="{846A25C2-933F-44C2-A0FE-4110FBEBA915}"/>
+                <a16:creationId xmlns:a16="http://schemas.microsoft.com/office/drawing/2014/main" xmlns="" id="{846A25C2-933F-44C2-A0FE-4110FBEBA915}"/>
               </a:ext>
             </a:extLst>
           </p:cNvPr>
@@ -17178,7 +17147,7 @@
           <p:cNvPr id="43" name="자유형: 도형 400">
             <a:extLst>
               <a:ext uri="{FF2B5EF4-FFF2-40B4-BE49-F238E27FC236}">
-                <a16:creationId xmlns="" xmlns:a16="http://schemas.microsoft.com/office/drawing/2014/main" id="{5EBA2B3B-7A04-4662-B870-F720B8538988}"/>
+                <a16:creationId xmlns:a16="http://schemas.microsoft.com/office/drawing/2014/main" xmlns="" id="{5EBA2B3B-7A04-4662-B870-F720B8538988}"/>
               </a:ext>
             </a:extLst>
           </p:cNvPr>
@@ -17323,7 +17292,7 @@
           <p:cNvPr id="44" name="직사각형 43">
             <a:extLst>
               <a:ext uri="{FF2B5EF4-FFF2-40B4-BE49-F238E27FC236}">
-                <a16:creationId xmlns="" xmlns:a16="http://schemas.microsoft.com/office/drawing/2014/main" id="{8E46B02D-66F3-495A-BE76-8FA2A68509CF}"/>
+                <a16:creationId xmlns:a16="http://schemas.microsoft.com/office/drawing/2014/main" xmlns="" id="{8E46B02D-66F3-495A-BE76-8FA2A68509CF}"/>
               </a:ext>
             </a:extLst>
           </p:cNvPr>
@@ -17379,7 +17348,7 @@
           <p:cNvPr id="45" name="직사각형 44">
             <a:extLst>
               <a:ext uri="{FF2B5EF4-FFF2-40B4-BE49-F238E27FC236}">
-                <a16:creationId xmlns="" xmlns:a16="http://schemas.microsoft.com/office/drawing/2014/main" id="{7FEC52E6-E0E1-427E-87A8-FEE2AAF979A8}"/>
+                <a16:creationId xmlns:a16="http://schemas.microsoft.com/office/drawing/2014/main" xmlns="" id="{7FEC52E6-E0E1-427E-87A8-FEE2AAF979A8}"/>
               </a:ext>
             </a:extLst>
           </p:cNvPr>
@@ -17578,7 +17547,7 @@
           <p:cNvPr id="49" name="자유형: 도형 377">
             <a:extLst>
               <a:ext uri="{FF2B5EF4-FFF2-40B4-BE49-F238E27FC236}">
-                <a16:creationId xmlns="" xmlns:a16="http://schemas.microsoft.com/office/drawing/2014/main" id="{0B4A7219-0820-4378-B811-331B8646398F}"/>
+                <a16:creationId xmlns:a16="http://schemas.microsoft.com/office/drawing/2014/main" xmlns="" id="{0B4A7219-0820-4378-B811-331B8646398F}"/>
               </a:ext>
             </a:extLst>
           </p:cNvPr>
@@ -17723,7 +17692,7 @@
           <p:cNvPr id="50" name="자유형: 도형 378">
             <a:extLst>
               <a:ext uri="{FF2B5EF4-FFF2-40B4-BE49-F238E27FC236}">
-                <a16:creationId xmlns="" xmlns:a16="http://schemas.microsoft.com/office/drawing/2014/main" id="{AE7688D0-57FD-4391-A3C9-1EB04A54396A}"/>
+                <a16:creationId xmlns:a16="http://schemas.microsoft.com/office/drawing/2014/main" xmlns="" id="{AE7688D0-57FD-4391-A3C9-1EB04A54396A}"/>
               </a:ext>
             </a:extLst>
           </p:cNvPr>
@@ -17868,7 +17837,7 @@
           <p:cNvPr id="51" name="자유형: 도형 379">
             <a:extLst>
               <a:ext uri="{FF2B5EF4-FFF2-40B4-BE49-F238E27FC236}">
-                <a16:creationId xmlns="" xmlns:a16="http://schemas.microsoft.com/office/drawing/2014/main" id="{C4615E6A-E0F5-484B-8040-DD0DD89211FD}"/>
+                <a16:creationId xmlns:a16="http://schemas.microsoft.com/office/drawing/2014/main" xmlns="" id="{C4615E6A-E0F5-484B-8040-DD0DD89211FD}"/>
               </a:ext>
             </a:extLst>
           </p:cNvPr>
@@ -18013,7 +17982,7 @@
           <p:cNvPr id="52" name="자유형: 도형 380">
             <a:extLst>
               <a:ext uri="{FF2B5EF4-FFF2-40B4-BE49-F238E27FC236}">
-                <a16:creationId xmlns="" xmlns:a16="http://schemas.microsoft.com/office/drawing/2014/main" id="{0937B8B0-8045-4AA8-B9F4-04B7C0AFDEBB}"/>
+                <a16:creationId xmlns:a16="http://schemas.microsoft.com/office/drawing/2014/main" xmlns="" id="{0937B8B0-8045-4AA8-B9F4-04B7C0AFDEBB}"/>
               </a:ext>
             </a:extLst>
           </p:cNvPr>
@@ -18158,7 +18127,7 @@
           <p:cNvPr id="53" name="자유형: 도형 381">
             <a:extLst>
               <a:ext uri="{FF2B5EF4-FFF2-40B4-BE49-F238E27FC236}">
-                <a16:creationId xmlns="" xmlns:a16="http://schemas.microsoft.com/office/drawing/2014/main" id="{DB9ADCEC-01D9-4BB3-81EE-B1429055FB91}"/>
+                <a16:creationId xmlns:a16="http://schemas.microsoft.com/office/drawing/2014/main" xmlns="" id="{DB9ADCEC-01D9-4BB3-81EE-B1429055FB91}"/>
               </a:ext>
             </a:extLst>
           </p:cNvPr>
@@ -18303,7 +18272,7 @@
           <p:cNvPr id="54" name="자유형: 도형 382">
             <a:extLst>
               <a:ext uri="{FF2B5EF4-FFF2-40B4-BE49-F238E27FC236}">
-                <a16:creationId xmlns="" xmlns:a16="http://schemas.microsoft.com/office/drawing/2014/main" id="{DB61C11B-0EC3-4996-906C-007E57835D42}"/>
+                <a16:creationId xmlns:a16="http://schemas.microsoft.com/office/drawing/2014/main" xmlns="" id="{DB61C11B-0EC3-4996-906C-007E57835D42}"/>
               </a:ext>
             </a:extLst>
           </p:cNvPr>
@@ -18448,7 +18417,7 @@
           <p:cNvPr id="55" name="자유형: 도형 383">
             <a:extLst>
               <a:ext uri="{FF2B5EF4-FFF2-40B4-BE49-F238E27FC236}">
-                <a16:creationId xmlns="" xmlns:a16="http://schemas.microsoft.com/office/drawing/2014/main" id="{044A0A9B-5CA5-4FE7-B917-B350C19EF0E6}"/>
+                <a16:creationId xmlns:a16="http://schemas.microsoft.com/office/drawing/2014/main" xmlns="" id="{044A0A9B-5CA5-4FE7-B917-B350C19EF0E6}"/>
               </a:ext>
             </a:extLst>
           </p:cNvPr>
@@ -18593,7 +18562,7 @@
           <p:cNvPr id="56" name="자유형: 도형 384">
             <a:extLst>
               <a:ext uri="{FF2B5EF4-FFF2-40B4-BE49-F238E27FC236}">
-                <a16:creationId xmlns="" xmlns:a16="http://schemas.microsoft.com/office/drawing/2014/main" id="{EA9897D2-716C-4BC1-98EE-5CC7B719C72B}"/>
+                <a16:creationId xmlns:a16="http://schemas.microsoft.com/office/drawing/2014/main" xmlns="" id="{EA9897D2-716C-4BC1-98EE-5CC7B719C72B}"/>
               </a:ext>
             </a:extLst>
           </p:cNvPr>
@@ -18738,7 +18707,7 @@
           <p:cNvPr id="57" name="자유형: 도형 385">
             <a:extLst>
               <a:ext uri="{FF2B5EF4-FFF2-40B4-BE49-F238E27FC236}">
-                <a16:creationId xmlns="" xmlns:a16="http://schemas.microsoft.com/office/drawing/2014/main" id="{7582865E-7A8F-44C3-912A-C087626FEDA9}"/>
+                <a16:creationId xmlns:a16="http://schemas.microsoft.com/office/drawing/2014/main" xmlns="" id="{7582865E-7A8F-44C3-912A-C087626FEDA9}"/>
               </a:ext>
             </a:extLst>
           </p:cNvPr>
@@ -18883,7 +18852,7 @@
           <p:cNvPr id="58" name="자유형: 도형 386">
             <a:extLst>
               <a:ext uri="{FF2B5EF4-FFF2-40B4-BE49-F238E27FC236}">
-                <a16:creationId xmlns="" xmlns:a16="http://schemas.microsoft.com/office/drawing/2014/main" id="{76E18406-54A4-401D-9DCA-86C76E3A933C}"/>
+                <a16:creationId xmlns:a16="http://schemas.microsoft.com/office/drawing/2014/main" xmlns="" id="{76E18406-54A4-401D-9DCA-86C76E3A933C}"/>
               </a:ext>
             </a:extLst>
           </p:cNvPr>
@@ -19028,7 +18997,7 @@
           <p:cNvPr id="59" name="자유형: 도형 387">
             <a:extLst>
               <a:ext uri="{FF2B5EF4-FFF2-40B4-BE49-F238E27FC236}">
-                <a16:creationId xmlns="" xmlns:a16="http://schemas.microsoft.com/office/drawing/2014/main" id="{78D016E9-A182-4180-A637-1A890C82CE6A}"/>
+                <a16:creationId xmlns:a16="http://schemas.microsoft.com/office/drawing/2014/main" xmlns="" id="{78D016E9-A182-4180-A637-1A890C82CE6A}"/>
               </a:ext>
             </a:extLst>
           </p:cNvPr>
@@ -19173,7 +19142,7 @@
           <p:cNvPr id="60" name="자유형: 도형 388">
             <a:extLst>
               <a:ext uri="{FF2B5EF4-FFF2-40B4-BE49-F238E27FC236}">
-                <a16:creationId xmlns="" xmlns:a16="http://schemas.microsoft.com/office/drawing/2014/main" id="{05F8530F-49F6-48DF-AD43-D138C77A6596}"/>
+                <a16:creationId xmlns:a16="http://schemas.microsoft.com/office/drawing/2014/main" xmlns="" id="{05F8530F-49F6-48DF-AD43-D138C77A6596}"/>
               </a:ext>
             </a:extLst>
           </p:cNvPr>
@@ -19318,7 +19287,7 @@
           <p:cNvPr id="61" name="자유형: 도형 389">
             <a:extLst>
               <a:ext uri="{FF2B5EF4-FFF2-40B4-BE49-F238E27FC236}">
-                <a16:creationId xmlns="" xmlns:a16="http://schemas.microsoft.com/office/drawing/2014/main" id="{98DCEC21-B8BD-43A7-8436-449C4406D27B}"/>
+                <a16:creationId xmlns:a16="http://schemas.microsoft.com/office/drawing/2014/main" xmlns="" id="{98DCEC21-B8BD-43A7-8436-449C4406D27B}"/>
               </a:ext>
             </a:extLst>
           </p:cNvPr>
@@ -19463,7 +19432,7 @@
           <p:cNvPr id="62" name="자유형: 도형 390">
             <a:extLst>
               <a:ext uri="{FF2B5EF4-FFF2-40B4-BE49-F238E27FC236}">
-                <a16:creationId xmlns="" xmlns:a16="http://schemas.microsoft.com/office/drawing/2014/main" id="{71FAF07A-965F-4A51-9977-FFFFAA15A432}"/>
+                <a16:creationId xmlns:a16="http://schemas.microsoft.com/office/drawing/2014/main" xmlns="" id="{71FAF07A-965F-4A51-9977-FFFFAA15A432}"/>
               </a:ext>
             </a:extLst>
           </p:cNvPr>
@@ -19608,7 +19577,7 @@
           <p:cNvPr id="63" name="자유형: 도형 391">
             <a:extLst>
               <a:ext uri="{FF2B5EF4-FFF2-40B4-BE49-F238E27FC236}">
-                <a16:creationId xmlns="" xmlns:a16="http://schemas.microsoft.com/office/drawing/2014/main" id="{5047EEFB-CDDB-46B7-AA56-F96C5BF34725}"/>
+                <a16:creationId xmlns:a16="http://schemas.microsoft.com/office/drawing/2014/main" xmlns="" id="{5047EEFB-CDDB-46B7-AA56-F96C5BF34725}"/>
               </a:ext>
             </a:extLst>
           </p:cNvPr>
@@ -19753,7 +19722,7 @@
           <p:cNvPr id="64" name="자유형: 도형 392">
             <a:extLst>
               <a:ext uri="{FF2B5EF4-FFF2-40B4-BE49-F238E27FC236}">
-                <a16:creationId xmlns="" xmlns:a16="http://schemas.microsoft.com/office/drawing/2014/main" id="{2D343500-5462-4C95-880B-385171314AB6}"/>
+                <a16:creationId xmlns:a16="http://schemas.microsoft.com/office/drawing/2014/main" xmlns="" id="{2D343500-5462-4C95-880B-385171314AB6}"/>
               </a:ext>
             </a:extLst>
           </p:cNvPr>
@@ -19898,7 +19867,7 @@
           <p:cNvPr id="65" name="자유형: 도형 393">
             <a:extLst>
               <a:ext uri="{FF2B5EF4-FFF2-40B4-BE49-F238E27FC236}">
-                <a16:creationId xmlns="" xmlns:a16="http://schemas.microsoft.com/office/drawing/2014/main" id="{7B3DA1B8-BF1B-4513-966C-2A916F28EFB9}"/>
+                <a16:creationId xmlns:a16="http://schemas.microsoft.com/office/drawing/2014/main" xmlns="" id="{7B3DA1B8-BF1B-4513-966C-2A916F28EFB9}"/>
               </a:ext>
             </a:extLst>
           </p:cNvPr>
@@ -20043,7 +20012,7 @@
           <p:cNvPr id="66" name="자유형: 도형 394">
             <a:extLst>
               <a:ext uri="{FF2B5EF4-FFF2-40B4-BE49-F238E27FC236}">
-                <a16:creationId xmlns="" xmlns:a16="http://schemas.microsoft.com/office/drawing/2014/main" id="{28F89FC3-982F-4923-9453-6F57D8E1E307}"/>
+                <a16:creationId xmlns:a16="http://schemas.microsoft.com/office/drawing/2014/main" xmlns="" id="{28F89FC3-982F-4923-9453-6F57D8E1E307}"/>
               </a:ext>
             </a:extLst>
           </p:cNvPr>
@@ -20188,7 +20157,7 @@
           <p:cNvPr id="67" name="자유형: 도형 395">
             <a:extLst>
               <a:ext uri="{FF2B5EF4-FFF2-40B4-BE49-F238E27FC236}">
-                <a16:creationId xmlns="" xmlns:a16="http://schemas.microsoft.com/office/drawing/2014/main" id="{0F995921-8CFB-4A23-8C8B-B2815AE8670A}"/>
+                <a16:creationId xmlns:a16="http://schemas.microsoft.com/office/drawing/2014/main" xmlns="" id="{0F995921-8CFB-4A23-8C8B-B2815AE8670A}"/>
               </a:ext>
             </a:extLst>
           </p:cNvPr>
@@ -20333,7 +20302,7 @@
           <p:cNvPr id="68" name="자유형: 도형 396">
             <a:extLst>
               <a:ext uri="{FF2B5EF4-FFF2-40B4-BE49-F238E27FC236}">
-                <a16:creationId xmlns="" xmlns:a16="http://schemas.microsoft.com/office/drawing/2014/main" id="{38E18007-DA79-4D7B-96F0-FEC1EB21386C}"/>
+                <a16:creationId xmlns:a16="http://schemas.microsoft.com/office/drawing/2014/main" xmlns="" id="{38E18007-DA79-4D7B-96F0-FEC1EB21386C}"/>
               </a:ext>
             </a:extLst>
           </p:cNvPr>
@@ -20478,7 +20447,7 @@
           <p:cNvPr id="69" name="자유형: 도형 397">
             <a:extLst>
               <a:ext uri="{FF2B5EF4-FFF2-40B4-BE49-F238E27FC236}">
-                <a16:creationId xmlns="" xmlns:a16="http://schemas.microsoft.com/office/drawing/2014/main" id="{C0E1BE7B-0A87-404E-B319-F1AE13922904}"/>
+                <a16:creationId xmlns:a16="http://schemas.microsoft.com/office/drawing/2014/main" xmlns="" id="{C0E1BE7B-0A87-404E-B319-F1AE13922904}"/>
               </a:ext>
             </a:extLst>
           </p:cNvPr>
@@ -20623,7 +20592,7 @@
           <p:cNvPr id="70" name="자유형: 도형 398">
             <a:extLst>
               <a:ext uri="{FF2B5EF4-FFF2-40B4-BE49-F238E27FC236}">
-                <a16:creationId xmlns="" xmlns:a16="http://schemas.microsoft.com/office/drawing/2014/main" id="{675C7C0F-8C6D-4AAF-BC5F-2B81DEB3E4E8}"/>
+                <a16:creationId xmlns:a16="http://schemas.microsoft.com/office/drawing/2014/main" xmlns="" id="{675C7C0F-8C6D-4AAF-BC5F-2B81DEB3E4E8}"/>
               </a:ext>
             </a:extLst>
           </p:cNvPr>
@@ -20768,7 +20737,7 @@
           <p:cNvPr id="71" name="자유형: 도형 399">
             <a:extLst>
               <a:ext uri="{FF2B5EF4-FFF2-40B4-BE49-F238E27FC236}">
-                <a16:creationId xmlns="" xmlns:a16="http://schemas.microsoft.com/office/drawing/2014/main" id="{846A25C2-933F-44C2-A0FE-4110FBEBA915}"/>
+                <a16:creationId xmlns:a16="http://schemas.microsoft.com/office/drawing/2014/main" xmlns="" id="{846A25C2-933F-44C2-A0FE-4110FBEBA915}"/>
               </a:ext>
             </a:extLst>
           </p:cNvPr>
@@ -20913,7 +20882,7 @@
           <p:cNvPr id="72" name="자유형: 도형 400">
             <a:extLst>
               <a:ext uri="{FF2B5EF4-FFF2-40B4-BE49-F238E27FC236}">
-                <a16:creationId xmlns="" xmlns:a16="http://schemas.microsoft.com/office/drawing/2014/main" id="{5EBA2B3B-7A04-4662-B870-F720B8538988}"/>
+                <a16:creationId xmlns:a16="http://schemas.microsoft.com/office/drawing/2014/main" xmlns="" id="{5EBA2B3B-7A04-4662-B870-F720B8538988}"/>
               </a:ext>
             </a:extLst>
           </p:cNvPr>
@@ -21058,7 +21027,7 @@
           <p:cNvPr id="73" name="직사각형 72">
             <a:extLst>
               <a:ext uri="{FF2B5EF4-FFF2-40B4-BE49-F238E27FC236}">
-                <a16:creationId xmlns="" xmlns:a16="http://schemas.microsoft.com/office/drawing/2014/main" id="{8E46B02D-66F3-495A-BE76-8FA2A68509CF}"/>
+                <a16:creationId xmlns:a16="http://schemas.microsoft.com/office/drawing/2014/main" xmlns="" id="{8E46B02D-66F3-495A-BE76-8FA2A68509CF}"/>
               </a:ext>
             </a:extLst>
           </p:cNvPr>
@@ -21114,7 +21083,7 @@
           <p:cNvPr id="74" name="직사각형 73">
             <a:extLst>
               <a:ext uri="{FF2B5EF4-FFF2-40B4-BE49-F238E27FC236}">
-                <a16:creationId xmlns="" xmlns:a16="http://schemas.microsoft.com/office/drawing/2014/main" id="{7FEC52E6-E0E1-427E-87A8-FEE2AAF979A8}"/>
+                <a16:creationId xmlns:a16="http://schemas.microsoft.com/office/drawing/2014/main" xmlns="" id="{7FEC52E6-E0E1-427E-87A8-FEE2AAF979A8}"/>
               </a:ext>
             </a:extLst>
           </p:cNvPr>
@@ -21329,7 +21298,7 @@
           <p:cNvPr id="78" name="자유형: 도형 377">
             <a:extLst>
               <a:ext uri="{FF2B5EF4-FFF2-40B4-BE49-F238E27FC236}">
-                <a16:creationId xmlns="" xmlns:a16="http://schemas.microsoft.com/office/drawing/2014/main" id="{0B4A7219-0820-4378-B811-331B8646398F}"/>
+                <a16:creationId xmlns:a16="http://schemas.microsoft.com/office/drawing/2014/main" xmlns="" id="{0B4A7219-0820-4378-B811-331B8646398F}"/>
               </a:ext>
             </a:extLst>
           </p:cNvPr>
@@ -21474,7 +21443,7 @@
           <p:cNvPr id="79" name="자유형: 도형 378">
             <a:extLst>
               <a:ext uri="{FF2B5EF4-FFF2-40B4-BE49-F238E27FC236}">
-                <a16:creationId xmlns="" xmlns:a16="http://schemas.microsoft.com/office/drawing/2014/main" id="{AE7688D0-57FD-4391-A3C9-1EB04A54396A}"/>
+                <a16:creationId xmlns:a16="http://schemas.microsoft.com/office/drawing/2014/main" xmlns="" id="{AE7688D0-57FD-4391-A3C9-1EB04A54396A}"/>
               </a:ext>
             </a:extLst>
           </p:cNvPr>
@@ -21619,7 +21588,7 @@
           <p:cNvPr id="80" name="자유형: 도형 379">
             <a:extLst>
               <a:ext uri="{FF2B5EF4-FFF2-40B4-BE49-F238E27FC236}">
-                <a16:creationId xmlns="" xmlns:a16="http://schemas.microsoft.com/office/drawing/2014/main" id="{C4615E6A-E0F5-484B-8040-DD0DD89211FD}"/>
+                <a16:creationId xmlns:a16="http://schemas.microsoft.com/office/drawing/2014/main" xmlns="" id="{C4615E6A-E0F5-484B-8040-DD0DD89211FD}"/>
               </a:ext>
             </a:extLst>
           </p:cNvPr>
@@ -21764,7 +21733,7 @@
           <p:cNvPr id="81" name="자유형: 도형 380">
             <a:extLst>
               <a:ext uri="{FF2B5EF4-FFF2-40B4-BE49-F238E27FC236}">
-                <a16:creationId xmlns="" xmlns:a16="http://schemas.microsoft.com/office/drawing/2014/main" id="{0937B8B0-8045-4AA8-B9F4-04B7C0AFDEBB}"/>
+                <a16:creationId xmlns:a16="http://schemas.microsoft.com/office/drawing/2014/main" xmlns="" id="{0937B8B0-8045-4AA8-B9F4-04B7C0AFDEBB}"/>
               </a:ext>
             </a:extLst>
           </p:cNvPr>
@@ -21909,7 +21878,7 @@
           <p:cNvPr id="82" name="자유형: 도형 381">
             <a:extLst>
               <a:ext uri="{FF2B5EF4-FFF2-40B4-BE49-F238E27FC236}">
-                <a16:creationId xmlns="" xmlns:a16="http://schemas.microsoft.com/office/drawing/2014/main" id="{DB9ADCEC-01D9-4BB3-81EE-B1429055FB91}"/>
+                <a16:creationId xmlns:a16="http://schemas.microsoft.com/office/drawing/2014/main" xmlns="" id="{DB9ADCEC-01D9-4BB3-81EE-B1429055FB91}"/>
               </a:ext>
             </a:extLst>
           </p:cNvPr>
@@ -22054,7 +22023,7 @@
           <p:cNvPr id="83" name="자유형: 도형 382">
             <a:extLst>
               <a:ext uri="{FF2B5EF4-FFF2-40B4-BE49-F238E27FC236}">
-                <a16:creationId xmlns="" xmlns:a16="http://schemas.microsoft.com/office/drawing/2014/main" id="{DB61C11B-0EC3-4996-906C-007E57835D42}"/>
+                <a16:creationId xmlns:a16="http://schemas.microsoft.com/office/drawing/2014/main" xmlns="" id="{DB61C11B-0EC3-4996-906C-007E57835D42}"/>
               </a:ext>
             </a:extLst>
           </p:cNvPr>
@@ -22199,7 +22168,7 @@
           <p:cNvPr id="84" name="자유형: 도형 383">
             <a:extLst>
               <a:ext uri="{FF2B5EF4-FFF2-40B4-BE49-F238E27FC236}">
-                <a16:creationId xmlns="" xmlns:a16="http://schemas.microsoft.com/office/drawing/2014/main" id="{044A0A9B-5CA5-4FE7-B917-B350C19EF0E6}"/>
+                <a16:creationId xmlns:a16="http://schemas.microsoft.com/office/drawing/2014/main" xmlns="" id="{044A0A9B-5CA5-4FE7-B917-B350C19EF0E6}"/>
               </a:ext>
             </a:extLst>
           </p:cNvPr>
@@ -22344,7 +22313,7 @@
           <p:cNvPr id="85" name="자유형: 도형 384">
             <a:extLst>
               <a:ext uri="{FF2B5EF4-FFF2-40B4-BE49-F238E27FC236}">
-                <a16:creationId xmlns="" xmlns:a16="http://schemas.microsoft.com/office/drawing/2014/main" id="{EA9897D2-716C-4BC1-98EE-5CC7B719C72B}"/>
+                <a16:creationId xmlns:a16="http://schemas.microsoft.com/office/drawing/2014/main" xmlns="" id="{EA9897D2-716C-4BC1-98EE-5CC7B719C72B}"/>
               </a:ext>
             </a:extLst>
           </p:cNvPr>
@@ -22489,7 +22458,7 @@
           <p:cNvPr id="86" name="자유형: 도형 385">
             <a:extLst>
               <a:ext uri="{FF2B5EF4-FFF2-40B4-BE49-F238E27FC236}">
-                <a16:creationId xmlns="" xmlns:a16="http://schemas.microsoft.com/office/drawing/2014/main" id="{7582865E-7A8F-44C3-912A-C087626FEDA9}"/>
+                <a16:creationId xmlns:a16="http://schemas.microsoft.com/office/drawing/2014/main" xmlns="" id="{7582865E-7A8F-44C3-912A-C087626FEDA9}"/>
               </a:ext>
             </a:extLst>
           </p:cNvPr>
@@ -22634,7 +22603,7 @@
           <p:cNvPr id="87" name="자유형: 도형 386">
             <a:extLst>
               <a:ext uri="{FF2B5EF4-FFF2-40B4-BE49-F238E27FC236}">
-                <a16:creationId xmlns="" xmlns:a16="http://schemas.microsoft.com/office/drawing/2014/main" id="{76E18406-54A4-401D-9DCA-86C76E3A933C}"/>
+                <a16:creationId xmlns:a16="http://schemas.microsoft.com/office/drawing/2014/main" xmlns="" id="{76E18406-54A4-401D-9DCA-86C76E3A933C}"/>
               </a:ext>
             </a:extLst>
           </p:cNvPr>
@@ -22779,7 +22748,7 @@
           <p:cNvPr id="88" name="자유형: 도형 387">
             <a:extLst>
               <a:ext uri="{FF2B5EF4-FFF2-40B4-BE49-F238E27FC236}">
-                <a16:creationId xmlns="" xmlns:a16="http://schemas.microsoft.com/office/drawing/2014/main" id="{78D016E9-A182-4180-A637-1A890C82CE6A}"/>
+                <a16:creationId xmlns:a16="http://schemas.microsoft.com/office/drawing/2014/main" xmlns="" id="{78D016E9-A182-4180-A637-1A890C82CE6A}"/>
               </a:ext>
             </a:extLst>
           </p:cNvPr>
@@ -22924,7 +22893,7 @@
           <p:cNvPr id="89" name="자유형: 도형 388">
             <a:extLst>
               <a:ext uri="{FF2B5EF4-FFF2-40B4-BE49-F238E27FC236}">
-                <a16:creationId xmlns="" xmlns:a16="http://schemas.microsoft.com/office/drawing/2014/main" id="{05F8530F-49F6-48DF-AD43-D138C77A6596}"/>
+                <a16:creationId xmlns:a16="http://schemas.microsoft.com/office/drawing/2014/main" xmlns="" id="{05F8530F-49F6-48DF-AD43-D138C77A6596}"/>
               </a:ext>
             </a:extLst>
           </p:cNvPr>
@@ -23069,7 +23038,7 @@
           <p:cNvPr id="90" name="자유형: 도형 389">
             <a:extLst>
               <a:ext uri="{FF2B5EF4-FFF2-40B4-BE49-F238E27FC236}">
-                <a16:creationId xmlns="" xmlns:a16="http://schemas.microsoft.com/office/drawing/2014/main" id="{98DCEC21-B8BD-43A7-8436-449C4406D27B}"/>
+                <a16:creationId xmlns:a16="http://schemas.microsoft.com/office/drawing/2014/main" xmlns="" id="{98DCEC21-B8BD-43A7-8436-449C4406D27B}"/>
               </a:ext>
             </a:extLst>
           </p:cNvPr>
@@ -23214,7 +23183,7 @@
           <p:cNvPr id="91" name="자유형: 도형 390">
             <a:extLst>
               <a:ext uri="{FF2B5EF4-FFF2-40B4-BE49-F238E27FC236}">
-                <a16:creationId xmlns="" xmlns:a16="http://schemas.microsoft.com/office/drawing/2014/main" id="{71FAF07A-965F-4A51-9977-FFFFAA15A432}"/>
+                <a16:creationId xmlns:a16="http://schemas.microsoft.com/office/drawing/2014/main" xmlns="" id="{71FAF07A-965F-4A51-9977-FFFFAA15A432}"/>
               </a:ext>
             </a:extLst>
           </p:cNvPr>
@@ -23359,7 +23328,7 @@
           <p:cNvPr id="92" name="자유형: 도형 391">
             <a:extLst>
               <a:ext uri="{FF2B5EF4-FFF2-40B4-BE49-F238E27FC236}">
-                <a16:creationId xmlns="" xmlns:a16="http://schemas.microsoft.com/office/drawing/2014/main" id="{5047EEFB-CDDB-46B7-AA56-F96C5BF34725}"/>
+                <a16:creationId xmlns:a16="http://schemas.microsoft.com/office/drawing/2014/main" xmlns="" id="{5047EEFB-CDDB-46B7-AA56-F96C5BF34725}"/>
               </a:ext>
             </a:extLst>
           </p:cNvPr>
@@ -23504,7 +23473,7 @@
           <p:cNvPr id="93" name="자유형: 도형 392">
             <a:extLst>
               <a:ext uri="{FF2B5EF4-FFF2-40B4-BE49-F238E27FC236}">
-                <a16:creationId xmlns="" xmlns:a16="http://schemas.microsoft.com/office/drawing/2014/main" id="{2D343500-5462-4C95-880B-385171314AB6}"/>
+                <a16:creationId xmlns:a16="http://schemas.microsoft.com/office/drawing/2014/main" xmlns="" id="{2D343500-5462-4C95-880B-385171314AB6}"/>
               </a:ext>
             </a:extLst>
           </p:cNvPr>
@@ -23649,7 +23618,7 @@
           <p:cNvPr id="94" name="자유형: 도형 393">
             <a:extLst>
               <a:ext uri="{FF2B5EF4-FFF2-40B4-BE49-F238E27FC236}">
-                <a16:creationId xmlns="" xmlns:a16="http://schemas.microsoft.com/office/drawing/2014/main" id="{7B3DA1B8-BF1B-4513-966C-2A916F28EFB9}"/>
+                <a16:creationId xmlns:a16="http://schemas.microsoft.com/office/drawing/2014/main" xmlns="" id="{7B3DA1B8-BF1B-4513-966C-2A916F28EFB9}"/>
               </a:ext>
             </a:extLst>
           </p:cNvPr>
@@ -23794,7 +23763,7 @@
           <p:cNvPr id="95" name="자유형: 도형 394">
             <a:extLst>
               <a:ext uri="{FF2B5EF4-FFF2-40B4-BE49-F238E27FC236}">
-                <a16:creationId xmlns="" xmlns:a16="http://schemas.microsoft.com/office/drawing/2014/main" id="{28F89FC3-982F-4923-9453-6F57D8E1E307}"/>
+                <a16:creationId xmlns:a16="http://schemas.microsoft.com/office/drawing/2014/main" xmlns="" id="{28F89FC3-982F-4923-9453-6F57D8E1E307}"/>
               </a:ext>
             </a:extLst>
           </p:cNvPr>
@@ -23939,7 +23908,7 @@
           <p:cNvPr id="96" name="자유형: 도형 395">
             <a:extLst>
               <a:ext uri="{FF2B5EF4-FFF2-40B4-BE49-F238E27FC236}">
-                <a16:creationId xmlns="" xmlns:a16="http://schemas.microsoft.com/office/drawing/2014/main" id="{0F995921-8CFB-4A23-8C8B-B2815AE8670A}"/>
+                <a16:creationId xmlns:a16="http://schemas.microsoft.com/office/drawing/2014/main" xmlns="" id="{0F995921-8CFB-4A23-8C8B-B2815AE8670A}"/>
               </a:ext>
             </a:extLst>
           </p:cNvPr>
@@ -24084,7 +24053,7 @@
           <p:cNvPr id="97" name="자유형: 도형 396">
             <a:extLst>
               <a:ext uri="{FF2B5EF4-FFF2-40B4-BE49-F238E27FC236}">
-                <a16:creationId xmlns="" xmlns:a16="http://schemas.microsoft.com/office/drawing/2014/main" id="{38E18007-DA79-4D7B-96F0-FEC1EB21386C}"/>
+                <a16:creationId xmlns:a16="http://schemas.microsoft.com/office/drawing/2014/main" xmlns="" id="{38E18007-DA79-4D7B-96F0-FEC1EB21386C}"/>
               </a:ext>
             </a:extLst>
           </p:cNvPr>
@@ -24229,7 +24198,7 @@
           <p:cNvPr id="98" name="자유형: 도형 397">
             <a:extLst>
               <a:ext uri="{FF2B5EF4-FFF2-40B4-BE49-F238E27FC236}">
-                <a16:creationId xmlns="" xmlns:a16="http://schemas.microsoft.com/office/drawing/2014/main" id="{C0E1BE7B-0A87-404E-B319-F1AE13922904}"/>
+                <a16:creationId xmlns:a16="http://schemas.microsoft.com/office/drawing/2014/main" xmlns="" id="{C0E1BE7B-0A87-404E-B319-F1AE13922904}"/>
               </a:ext>
             </a:extLst>
           </p:cNvPr>
@@ -24374,7 +24343,7 @@
           <p:cNvPr id="99" name="자유형: 도형 398">
             <a:extLst>
               <a:ext uri="{FF2B5EF4-FFF2-40B4-BE49-F238E27FC236}">
-                <a16:creationId xmlns="" xmlns:a16="http://schemas.microsoft.com/office/drawing/2014/main" id="{675C7C0F-8C6D-4AAF-BC5F-2B81DEB3E4E8}"/>
+                <a16:creationId xmlns:a16="http://schemas.microsoft.com/office/drawing/2014/main" xmlns="" id="{675C7C0F-8C6D-4AAF-BC5F-2B81DEB3E4E8}"/>
               </a:ext>
             </a:extLst>
           </p:cNvPr>
@@ -24519,7 +24488,7 @@
           <p:cNvPr id="100" name="자유형: 도형 399">
             <a:extLst>
               <a:ext uri="{FF2B5EF4-FFF2-40B4-BE49-F238E27FC236}">
-                <a16:creationId xmlns="" xmlns:a16="http://schemas.microsoft.com/office/drawing/2014/main" id="{846A25C2-933F-44C2-A0FE-4110FBEBA915}"/>
+                <a16:creationId xmlns:a16="http://schemas.microsoft.com/office/drawing/2014/main" xmlns="" id="{846A25C2-933F-44C2-A0FE-4110FBEBA915}"/>
               </a:ext>
             </a:extLst>
           </p:cNvPr>
@@ -24664,7 +24633,7 @@
           <p:cNvPr id="101" name="자유형: 도형 400">
             <a:extLst>
               <a:ext uri="{FF2B5EF4-FFF2-40B4-BE49-F238E27FC236}">
-                <a16:creationId xmlns="" xmlns:a16="http://schemas.microsoft.com/office/drawing/2014/main" id="{5EBA2B3B-7A04-4662-B870-F720B8538988}"/>
+                <a16:creationId xmlns:a16="http://schemas.microsoft.com/office/drawing/2014/main" xmlns="" id="{5EBA2B3B-7A04-4662-B870-F720B8538988}"/>
               </a:ext>
             </a:extLst>
           </p:cNvPr>
@@ -24809,7 +24778,7 @@
           <p:cNvPr id="102" name="직사각형 101">
             <a:extLst>
               <a:ext uri="{FF2B5EF4-FFF2-40B4-BE49-F238E27FC236}">
-                <a16:creationId xmlns="" xmlns:a16="http://schemas.microsoft.com/office/drawing/2014/main" id="{8E46B02D-66F3-495A-BE76-8FA2A68509CF}"/>
+                <a16:creationId xmlns:a16="http://schemas.microsoft.com/office/drawing/2014/main" xmlns="" id="{8E46B02D-66F3-495A-BE76-8FA2A68509CF}"/>
               </a:ext>
             </a:extLst>
           </p:cNvPr>
@@ -24865,7 +24834,7 @@
           <p:cNvPr id="103" name="직사각형 102">
             <a:extLst>
               <a:ext uri="{FF2B5EF4-FFF2-40B4-BE49-F238E27FC236}">
-                <a16:creationId xmlns="" xmlns:a16="http://schemas.microsoft.com/office/drawing/2014/main" id="{7FEC52E6-E0E1-427E-87A8-FEE2AAF979A8}"/>
+                <a16:creationId xmlns:a16="http://schemas.microsoft.com/office/drawing/2014/main" xmlns="" id="{7FEC52E6-E0E1-427E-87A8-FEE2AAF979A8}"/>
               </a:ext>
             </a:extLst>
           </p:cNvPr>
@@ -25064,7 +25033,7 @@
           <p:cNvPr id="107" name="자유형: 도형 377">
             <a:extLst>
               <a:ext uri="{FF2B5EF4-FFF2-40B4-BE49-F238E27FC236}">
-                <a16:creationId xmlns="" xmlns:a16="http://schemas.microsoft.com/office/drawing/2014/main" id="{0B4A7219-0820-4378-B811-331B8646398F}"/>
+                <a16:creationId xmlns:a16="http://schemas.microsoft.com/office/drawing/2014/main" xmlns="" id="{0B4A7219-0820-4378-B811-331B8646398F}"/>
               </a:ext>
             </a:extLst>
           </p:cNvPr>
@@ -25209,7 +25178,7 @@
           <p:cNvPr id="108" name="자유형: 도형 378">
             <a:extLst>
               <a:ext uri="{FF2B5EF4-FFF2-40B4-BE49-F238E27FC236}">
-                <a16:creationId xmlns="" xmlns:a16="http://schemas.microsoft.com/office/drawing/2014/main" id="{AE7688D0-57FD-4391-A3C9-1EB04A54396A}"/>
+                <a16:creationId xmlns:a16="http://schemas.microsoft.com/office/drawing/2014/main" xmlns="" id="{AE7688D0-57FD-4391-A3C9-1EB04A54396A}"/>
               </a:ext>
             </a:extLst>
           </p:cNvPr>
@@ -25354,7 +25323,7 @@
           <p:cNvPr id="109" name="자유형: 도형 379">
             <a:extLst>
               <a:ext uri="{FF2B5EF4-FFF2-40B4-BE49-F238E27FC236}">
-                <a16:creationId xmlns="" xmlns:a16="http://schemas.microsoft.com/office/drawing/2014/main" id="{C4615E6A-E0F5-484B-8040-DD0DD89211FD}"/>
+                <a16:creationId xmlns:a16="http://schemas.microsoft.com/office/drawing/2014/main" xmlns="" id="{C4615E6A-E0F5-484B-8040-DD0DD89211FD}"/>
               </a:ext>
             </a:extLst>
           </p:cNvPr>
@@ -25499,7 +25468,7 @@
           <p:cNvPr id="110" name="자유형: 도형 380">
             <a:extLst>
               <a:ext uri="{FF2B5EF4-FFF2-40B4-BE49-F238E27FC236}">
-                <a16:creationId xmlns="" xmlns:a16="http://schemas.microsoft.com/office/drawing/2014/main" id="{0937B8B0-8045-4AA8-B9F4-04B7C0AFDEBB}"/>
+                <a16:creationId xmlns:a16="http://schemas.microsoft.com/office/drawing/2014/main" xmlns="" id="{0937B8B0-8045-4AA8-B9F4-04B7C0AFDEBB}"/>
               </a:ext>
             </a:extLst>
           </p:cNvPr>
@@ -25644,7 +25613,7 @@
           <p:cNvPr id="111" name="자유형: 도형 381">
             <a:extLst>
               <a:ext uri="{FF2B5EF4-FFF2-40B4-BE49-F238E27FC236}">
-                <a16:creationId xmlns="" xmlns:a16="http://schemas.microsoft.com/office/drawing/2014/main" id="{DB9ADCEC-01D9-4BB3-81EE-B1429055FB91}"/>
+                <a16:creationId xmlns:a16="http://schemas.microsoft.com/office/drawing/2014/main" xmlns="" id="{DB9ADCEC-01D9-4BB3-81EE-B1429055FB91}"/>
               </a:ext>
             </a:extLst>
           </p:cNvPr>
@@ -25789,7 +25758,7 @@
           <p:cNvPr id="112" name="자유형: 도형 382">
             <a:extLst>
               <a:ext uri="{FF2B5EF4-FFF2-40B4-BE49-F238E27FC236}">
-                <a16:creationId xmlns="" xmlns:a16="http://schemas.microsoft.com/office/drawing/2014/main" id="{DB61C11B-0EC3-4996-906C-007E57835D42}"/>
+                <a16:creationId xmlns:a16="http://schemas.microsoft.com/office/drawing/2014/main" xmlns="" id="{DB61C11B-0EC3-4996-906C-007E57835D42}"/>
               </a:ext>
             </a:extLst>
           </p:cNvPr>
@@ -25934,7 +25903,7 @@
           <p:cNvPr id="113" name="자유형: 도형 383">
             <a:extLst>
               <a:ext uri="{FF2B5EF4-FFF2-40B4-BE49-F238E27FC236}">
-                <a16:creationId xmlns="" xmlns:a16="http://schemas.microsoft.com/office/drawing/2014/main" id="{044A0A9B-5CA5-4FE7-B917-B350C19EF0E6}"/>
+                <a16:creationId xmlns:a16="http://schemas.microsoft.com/office/drawing/2014/main" xmlns="" id="{044A0A9B-5CA5-4FE7-B917-B350C19EF0E6}"/>
               </a:ext>
             </a:extLst>
           </p:cNvPr>
@@ -26079,7 +26048,7 @@
           <p:cNvPr id="114" name="자유형: 도형 384">
             <a:extLst>
               <a:ext uri="{FF2B5EF4-FFF2-40B4-BE49-F238E27FC236}">
-                <a16:creationId xmlns="" xmlns:a16="http://schemas.microsoft.com/office/drawing/2014/main" id="{EA9897D2-716C-4BC1-98EE-5CC7B719C72B}"/>
+                <a16:creationId xmlns:a16="http://schemas.microsoft.com/office/drawing/2014/main" xmlns="" id="{EA9897D2-716C-4BC1-98EE-5CC7B719C72B}"/>
               </a:ext>
             </a:extLst>
           </p:cNvPr>
@@ -26224,7 +26193,7 @@
           <p:cNvPr id="115" name="자유형: 도형 385">
             <a:extLst>
               <a:ext uri="{FF2B5EF4-FFF2-40B4-BE49-F238E27FC236}">
-                <a16:creationId xmlns="" xmlns:a16="http://schemas.microsoft.com/office/drawing/2014/main" id="{7582865E-7A8F-44C3-912A-C087626FEDA9}"/>
+                <a16:creationId xmlns:a16="http://schemas.microsoft.com/office/drawing/2014/main" xmlns="" id="{7582865E-7A8F-44C3-912A-C087626FEDA9}"/>
               </a:ext>
             </a:extLst>
           </p:cNvPr>
@@ -26369,7 +26338,7 @@
           <p:cNvPr id="116" name="자유형: 도형 386">
             <a:extLst>
               <a:ext uri="{FF2B5EF4-FFF2-40B4-BE49-F238E27FC236}">
-                <a16:creationId xmlns="" xmlns:a16="http://schemas.microsoft.com/office/drawing/2014/main" id="{76E18406-54A4-401D-9DCA-86C76E3A933C}"/>
+                <a16:creationId xmlns:a16="http://schemas.microsoft.com/office/drawing/2014/main" xmlns="" id="{76E18406-54A4-401D-9DCA-86C76E3A933C}"/>
               </a:ext>
             </a:extLst>
           </p:cNvPr>
@@ -26514,7 +26483,7 @@
           <p:cNvPr id="117" name="자유형: 도형 387">
             <a:extLst>
               <a:ext uri="{FF2B5EF4-FFF2-40B4-BE49-F238E27FC236}">
-                <a16:creationId xmlns="" xmlns:a16="http://schemas.microsoft.com/office/drawing/2014/main" id="{78D016E9-A182-4180-A637-1A890C82CE6A}"/>
+                <a16:creationId xmlns:a16="http://schemas.microsoft.com/office/drawing/2014/main" xmlns="" id="{78D016E9-A182-4180-A637-1A890C82CE6A}"/>
               </a:ext>
             </a:extLst>
           </p:cNvPr>
@@ -26659,7 +26628,7 @@
           <p:cNvPr id="118" name="자유형: 도형 388">
             <a:extLst>
               <a:ext uri="{FF2B5EF4-FFF2-40B4-BE49-F238E27FC236}">
-                <a16:creationId xmlns="" xmlns:a16="http://schemas.microsoft.com/office/drawing/2014/main" id="{05F8530F-49F6-48DF-AD43-D138C77A6596}"/>
+                <a16:creationId xmlns:a16="http://schemas.microsoft.com/office/drawing/2014/main" xmlns="" id="{05F8530F-49F6-48DF-AD43-D138C77A6596}"/>
               </a:ext>
             </a:extLst>
           </p:cNvPr>
@@ -26804,7 +26773,7 @@
           <p:cNvPr id="119" name="자유형: 도형 389">
             <a:extLst>
               <a:ext uri="{FF2B5EF4-FFF2-40B4-BE49-F238E27FC236}">
-                <a16:creationId xmlns="" xmlns:a16="http://schemas.microsoft.com/office/drawing/2014/main" id="{98DCEC21-B8BD-43A7-8436-449C4406D27B}"/>
+                <a16:creationId xmlns:a16="http://schemas.microsoft.com/office/drawing/2014/main" xmlns="" id="{98DCEC21-B8BD-43A7-8436-449C4406D27B}"/>
               </a:ext>
             </a:extLst>
           </p:cNvPr>
@@ -26949,7 +26918,7 @@
           <p:cNvPr id="120" name="자유형: 도형 390">
             <a:extLst>
               <a:ext uri="{FF2B5EF4-FFF2-40B4-BE49-F238E27FC236}">
-                <a16:creationId xmlns="" xmlns:a16="http://schemas.microsoft.com/office/drawing/2014/main" id="{71FAF07A-965F-4A51-9977-FFFFAA15A432}"/>
+                <a16:creationId xmlns:a16="http://schemas.microsoft.com/office/drawing/2014/main" xmlns="" id="{71FAF07A-965F-4A51-9977-FFFFAA15A432}"/>
               </a:ext>
             </a:extLst>
           </p:cNvPr>
@@ -27094,7 +27063,7 @@
           <p:cNvPr id="121" name="자유형: 도형 391">
             <a:extLst>
               <a:ext uri="{FF2B5EF4-FFF2-40B4-BE49-F238E27FC236}">
-                <a16:creationId xmlns="" xmlns:a16="http://schemas.microsoft.com/office/drawing/2014/main" id="{5047EEFB-CDDB-46B7-AA56-F96C5BF34725}"/>
+                <a16:creationId xmlns:a16="http://schemas.microsoft.com/office/drawing/2014/main" xmlns="" id="{5047EEFB-CDDB-46B7-AA56-F96C5BF34725}"/>
               </a:ext>
             </a:extLst>
           </p:cNvPr>
@@ -27239,7 +27208,7 @@
           <p:cNvPr id="122" name="자유형: 도형 392">
             <a:extLst>
               <a:ext uri="{FF2B5EF4-FFF2-40B4-BE49-F238E27FC236}">
-                <a16:creationId xmlns="" xmlns:a16="http://schemas.microsoft.com/office/drawing/2014/main" id="{2D343500-5462-4C95-880B-385171314AB6}"/>
+                <a16:creationId xmlns:a16="http://schemas.microsoft.com/office/drawing/2014/main" xmlns="" id="{2D343500-5462-4C95-880B-385171314AB6}"/>
               </a:ext>
             </a:extLst>
           </p:cNvPr>
@@ -27384,7 +27353,7 @@
           <p:cNvPr id="123" name="자유형: 도형 393">
             <a:extLst>
               <a:ext uri="{FF2B5EF4-FFF2-40B4-BE49-F238E27FC236}">
-                <a16:creationId xmlns="" xmlns:a16="http://schemas.microsoft.com/office/drawing/2014/main" id="{7B3DA1B8-BF1B-4513-966C-2A916F28EFB9}"/>
+                <a16:creationId xmlns:a16="http://schemas.microsoft.com/office/drawing/2014/main" xmlns="" id="{7B3DA1B8-BF1B-4513-966C-2A916F28EFB9}"/>
               </a:ext>
             </a:extLst>
           </p:cNvPr>
@@ -27529,7 +27498,7 @@
           <p:cNvPr id="124" name="자유형: 도형 394">
             <a:extLst>
               <a:ext uri="{FF2B5EF4-FFF2-40B4-BE49-F238E27FC236}">
-                <a16:creationId xmlns="" xmlns:a16="http://schemas.microsoft.com/office/drawing/2014/main" id="{28F89FC3-982F-4923-9453-6F57D8E1E307}"/>
+                <a16:creationId xmlns:a16="http://schemas.microsoft.com/office/drawing/2014/main" xmlns="" id="{28F89FC3-982F-4923-9453-6F57D8E1E307}"/>
               </a:ext>
             </a:extLst>
           </p:cNvPr>
@@ -27674,7 +27643,7 @@
           <p:cNvPr id="125" name="자유형: 도형 395">
             <a:extLst>
               <a:ext uri="{FF2B5EF4-FFF2-40B4-BE49-F238E27FC236}">
-                <a16:creationId xmlns="" xmlns:a16="http://schemas.microsoft.com/office/drawing/2014/main" id="{0F995921-8CFB-4A23-8C8B-B2815AE8670A}"/>
+                <a16:creationId xmlns:a16="http://schemas.microsoft.com/office/drawing/2014/main" xmlns="" id="{0F995921-8CFB-4A23-8C8B-B2815AE8670A}"/>
               </a:ext>
             </a:extLst>
           </p:cNvPr>
@@ -27819,7 +27788,7 @@
           <p:cNvPr id="126" name="자유형: 도형 396">
             <a:extLst>
               <a:ext uri="{FF2B5EF4-FFF2-40B4-BE49-F238E27FC236}">
-                <a16:creationId xmlns="" xmlns:a16="http://schemas.microsoft.com/office/drawing/2014/main" id="{38E18007-DA79-4D7B-96F0-FEC1EB21386C}"/>
+                <a16:creationId xmlns:a16="http://schemas.microsoft.com/office/drawing/2014/main" xmlns="" id="{38E18007-DA79-4D7B-96F0-FEC1EB21386C}"/>
               </a:ext>
             </a:extLst>
           </p:cNvPr>
@@ -27964,7 +27933,7 @@
           <p:cNvPr id="127" name="자유형: 도형 397">
             <a:extLst>
               <a:ext uri="{FF2B5EF4-FFF2-40B4-BE49-F238E27FC236}">
-                <a16:creationId xmlns="" xmlns:a16="http://schemas.microsoft.com/office/drawing/2014/main" id="{C0E1BE7B-0A87-404E-B319-F1AE13922904}"/>
+                <a16:creationId xmlns:a16="http://schemas.microsoft.com/office/drawing/2014/main" xmlns="" id="{C0E1BE7B-0A87-404E-B319-F1AE13922904}"/>
               </a:ext>
             </a:extLst>
           </p:cNvPr>
@@ -28109,7 +28078,7 @@
           <p:cNvPr id="128" name="자유형: 도형 398">
             <a:extLst>
               <a:ext uri="{FF2B5EF4-FFF2-40B4-BE49-F238E27FC236}">
-                <a16:creationId xmlns="" xmlns:a16="http://schemas.microsoft.com/office/drawing/2014/main" id="{675C7C0F-8C6D-4AAF-BC5F-2B81DEB3E4E8}"/>
+                <a16:creationId xmlns:a16="http://schemas.microsoft.com/office/drawing/2014/main" xmlns="" id="{675C7C0F-8C6D-4AAF-BC5F-2B81DEB3E4E8}"/>
               </a:ext>
             </a:extLst>
           </p:cNvPr>
@@ -28254,7 +28223,7 @@
           <p:cNvPr id="129" name="자유형: 도형 399">
             <a:extLst>
               <a:ext uri="{FF2B5EF4-FFF2-40B4-BE49-F238E27FC236}">
-                <a16:creationId xmlns="" xmlns:a16="http://schemas.microsoft.com/office/drawing/2014/main" id="{846A25C2-933F-44C2-A0FE-4110FBEBA915}"/>
+                <a16:creationId xmlns:a16="http://schemas.microsoft.com/office/drawing/2014/main" xmlns="" id="{846A25C2-933F-44C2-A0FE-4110FBEBA915}"/>
               </a:ext>
             </a:extLst>
           </p:cNvPr>
@@ -28399,7 +28368,7 @@
           <p:cNvPr id="130" name="자유형: 도형 400">
             <a:extLst>
               <a:ext uri="{FF2B5EF4-FFF2-40B4-BE49-F238E27FC236}">
-                <a16:creationId xmlns="" xmlns:a16="http://schemas.microsoft.com/office/drawing/2014/main" id="{5EBA2B3B-7A04-4662-B870-F720B8538988}"/>
+                <a16:creationId xmlns:a16="http://schemas.microsoft.com/office/drawing/2014/main" xmlns="" id="{5EBA2B3B-7A04-4662-B870-F720B8538988}"/>
               </a:ext>
             </a:extLst>
           </p:cNvPr>
@@ -28544,7 +28513,7 @@
           <p:cNvPr id="131" name="직사각형 130">
             <a:extLst>
               <a:ext uri="{FF2B5EF4-FFF2-40B4-BE49-F238E27FC236}">
-                <a16:creationId xmlns="" xmlns:a16="http://schemas.microsoft.com/office/drawing/2014/main" id="{8E46B02D-66F3-495A-BE76-8FA2A68509CF}"/>
+                <a16:creationId xmlns:a16="http://schemas.microsoft.com/office/drawing/2014/main" xmlns="" id="{8E46B02D-66F3-495A-BE76-8FA2A68509CF}"/>
               </a:ext>
             </a:extLst>
           </p:cNvPr>
@@ -28600,7 +28569,7 @@
           <p:cNvPr id="132" name="직사각형 131">
             <a:extLst>
               <a:ext uri="{FF2B5EF4-FFF2-40B4-BE49-F238E27FC236}">
-                <a16:creationId xmlns="" xmlns:a16="http://schemas.microsoft.com/office/drawing/2014/main" id="{7FEC52E6-E0E1-427E-87A8-FEE2AAF979A8}"/>
+                <a16:creationId xmlns:a16="http://schemas.microsoft.com/office/drawing/2014/main" xmlns="" id="{7FEC52E6-E0E1-427E-87A8-FEE2AAF979A8}"/>
               </a:ext>
             </a:extLst>
           </p:cNvPr>
@@ -29735,7 +29704,7 @@
           <p:cNvPr id="114" name="직사각형 113">
             <a:extLst>
               <a:ext uri="{FF2B5EF4-FFF2-40B4-BE49-F238E27FC236}">
-                <a16:creationId xmlns="" xmlns:a16="http://schemas.microsoft.com/office/drawing/2014/main" id="{3FA00699-5178-465A-9F3F-130CF1431F70}"/>
+                <a16:creationId xmlns:a16="http://schemas.microsoft.com/office/drawing/2014/main" xmlns="" id="{3FA00699-5178-465A-9F3F-130CF1431F70}"/>
               </a:ext>
             </a:extLst>
           </p:cNvPr>
@@ -30060,7 +30029,7 @@
           <p:cNvPr id="122" name="직사각형 121">
             <a:extLst>
               <a:ext uri="{FF2B5EF4-FFF2-40B4-BE49-F238E27FC236}">
-                <a16:creationId xmlns="" xmlns:a16="http://schemas.microsoft.com/office/drawing/2014/main" id="{3FA00699-5178-465A-9F3F-130CF1431F70}"/>
+                <a16:creationId xmlns:a16="http://schemas.microsoft.com/office/drawing/2014/main" xmlns="" id="{3FA00699-5178-465A-9F3F-130CF1431F70}"/>
               </a:ext>
             </a:extLst>
           </p:cNvPr>
@@ -30385,7 +30354,7 @@
           <p:cNvPr id="130" name="직사각형 129">
             <a:extLst>
               <a:ext uri="{FF2B5EF4-FFF2-40B4-BE49-F238E27FC236}">
-                <a16:creationId xmlns="" xmlns:a16="http://schemas.microsoft.com/office/drawing/2014/main" id="{3FA00699-5178-465A-9F3F-130CF1431F70}"/>
+                <a16:creationId xmlns:a16="http://schemas.microsoft.com/office/drawing/2014/main" xmlns="" id="{3FA00699-5178-465A-9F3F-130CF1431F70}"/>
               </a:ext>
             </a:extLst>
           </p:cNvPr>
@@ -33040,14 +33009,14 @@
                 <a:gridCol w="1875099">
                   <a:extLst>
                     <a:ext uri="{9D8B030D-6E8A-4147-A177-3AD203B41FA5}">
-                      <a16:colId xmlns="" xmlns:a16="http://schemas.microsoft.com/office/drawing/2014/main" val="20000"/>
+                      <a16:colId xmlns:a16="http://schemas.microsoft.com/office/drawing/2014/main" xmlns="" val="20000"/>
                     </a:ext>
                   </a:extLst>
                 </a:gridCol>
                 <a:gridCol w="4158309">
                   <a:extLst>
                     <a:ext uri="{9D8B030D-6E8A-4147-A177-3AD203B41FA5}">
-                      <a16:colId xmlns="" xmlns:a16="http://schemas.microsoft.com/office/drawing/2014/main" val="20001"/>
+                      <a16:colId xmlns:a16="http://schemas.microsoft.com/office/drawing/2014/main" xmlns="" val="20001"/>
                     </a:ext>
                   </a:extLst>
                 </a:gridCol>
@@ -33174,7 +33143,7 @@
                 </a:tc>
                 <a:extLst>
                   <a:ext uri="{0D108BD9-81ED-4DB2-BD59-A6C34878D82A}">
-                    <a16:rowId xmlns="" xmlns:a16="http://schemas.microsoft.com/office/drawing/2014/main" val="10000"/>
+                    <a16:rowId xmlns:a16="http://schemas.microsoft.com/office/drawing/2014/main" xmlns="" val="10000"/>
                   </a:ext>
                 </a:extLst>
               </a:tr>
@@ -33398,7 +33367,7 @@
                 </a:tc>
                 <a:extLst>
                   <a:ext uri="{0D108BD9-81ED-4DB2-BD59-A6C34878D82A}">
-                    <a16:rowId xmlns="" xmlns:a16="http://schemas.microsoft.com/office/drawing/2014/main" val="10001"/>
+                    <a16:rowId xmlns:a16="http://schemas.microsoft.com/office/drawing/2014/main" xmlns="" val="10001"/>
                   </a:ext>
                 </a:extLst>
               </a:tr>
@@ -33650,7 +33619,7 @@
                 </a:tc>
                 <a:extLst>
                   <a:ext uri="{0D108BD9-81ED-4DB2-BD59-A6C34878D82A}">
-                    <a16:rowId xmlns="" xmlns:a16="http://schemas.microsoft.com/office/drawing/2014/main" val="10002"/>
+                    <a16:rowId xmlns:a16="http://schemas.microsoft.com/office/drawing/2014/main" xmlns="" val="10002"/>
                   </a:ext>
                 </a:extLst>
               </a:tr>
@@ -33902,7 +33871,7 @@
                 </a:tc>
                 <a:extLst>
                   <a:ext uri="{0D108BD9-81ED-4DB2-BD59-A6C34878D82A}">
-                    <a16:rowId xmlns="" xmlns:a16="http://schemas.microsoft.com/office/drawing/2014/main" val="10003"/>
+                    <a16:rowId xmlns:a16="http://schemas.microsoft.com/office/drawing/2014/main" xmlns="" val="10003"/>
                   </a:ext>
                 </a:extLst>
               </a:tr>
@@ -34154,7 +34123,7 @@
                 </a:tc>
                 <a:extLst>
                   <a:ext uri="{0D108BD9-81ED-4DB2-BD59-A6C34878D82A}">
-                    <a16:rowId xmlns="" xmlns:a16="http://schemas.microsoft.com/office/drawing/2014/main" val="10004"/>
+                    <a16:rowId xmlns:a16="http://schemas.microsoft.com/office/drawing/2014/main" xmlns="" val="10004"/>
                   </a:ext>
                 </a:extLst>
               </a:tr>
@@ -34466,7 +34435,7 @@
                 </a:tc>
                 <a:extLst>
                   <a:ext uri="{0D108BD9-81ED-4DB2-BD59-A6C34878D82A}">
-                    <a16:rowId xmlns="" xmlns:a16="http://schemas.microsoft.com/office/drawing/2014/main" val="10005"/>
+                    <a16:rowId xmlns:a16="http://schemas.microsoft.com/office/drawing/2014/main" xmlns="" val="10005"/>
                   </a:ext>
                 </a:extLst>
               </a:tr>
@@ -34834,7 +34803,7 @@
                 </a:tc>
                 <a:extLst>
                   <a:ext uri="{0D108BD9-81ED-4DB2-BD59-A6C34878D82A}">
-                    <a16:rowId xmlns="" xmlns:a16="http://schemas.microsoft.com/office/drawing/2014/main" val="10006"/>
+                    <a16:rowId xmlns:a16="http://schemas.microsoft.com/office/drawing/2014/main" xmlns="" val="10006"/>
                   </a:ext>
                 </a:extLst>
               </a:tr>
@@ -35066,7 +35035,7 @@
                 </a:tc>
                 <a:extLst>
                   <a:ext uri="{0D108BD9-81ED-4DB2-BD59-A6C34878D82A}">
-                    <a16:rowId xmlns="" xmlns:a16="http://schemas.microsoft.com/office/drawing/2014/main" val="10007"/>
+                    <a16:rowId xmlns:a16="http://schemas.microsoft.com/office/drawing/2014/main" xmlns="" val="10007"/>
                   </a:ext>
                 </a:extLst>
               </a:tr>
@@ -35375,7 +35344,7 @@
                 </a:tc>
                 <a:extLst>
                   <a:ext uri="{0D108BD9-81ED-4DB2-BD59-A6C34878D82A}">
-                    <a16:rowId xmlns="" xmlns:a16="http://schemas.microsoft.com/office/drawing/2014/main" val="10008"/>
+                    <a16:rowId xmlns:a16="http://schemas.microsoft.com/office/drawing/2014/main" xmlns="" val="10008"/>
                   </a:ext>
                 </a:extLst>
               </a:tr>
@@ -35388,7 +35357,7 @@
           <p:cNvPr id="23" name="직사각형 22">
             <a:extLst>
               <a:ext uri="{FF2B5EF4-FFF2-40B4-BE49-F238E27FC236}">
-                <a16:creationId xmlns="" xmlns:a16="http://schemas.microsoft.com/office/drawing/2014/main" id="{3FA00699-5178-465A-9F3F-130CF1431F70}"/>
+                <a16:creationId xmlns:a16="http://schemas.microsoft.com/office/drawing/2014/main" xmlns="" id="{3FA00699-5178-465A-9F3F-130CF1431F70}"/>
               </a:ext>
             </a:extLst>
           </p:cNvPr>
@@ -36196,7 +36165,7 @@
           <p:cNvPr id="26" name="직사각형 25">
             <a:extLst>
               <a:ext uri="{FF2B5EF4-FFF2-40B4-BE49-F238E27FC236}">
-                <a16:creationId xmlns="" xmlns:a16="http://schemas.microsoft.com/office/drawing/2014/main" id="{3FA00699-5178-465A-9F3F-130CF1431F70}"/>
+                <a16:creationId xmlns:a16="http://schemas.microsoft.com/office/drawing/2014/main" xmlns="" id="{3FA00699-5178-465A-9F3F-130CF1431F70}"/>
               </a:ext>
             </a:extLst>
           </p:cNvPr>
@@ -36244,7 +36213,7 @@
           <p:cNvPr id="27" name="직사각형 26">
             <a:extLst>
               <a:ext uri="{FF2B5EF4-FFF2-40B4-BE49-F238E27FC236}">
-                <a16:creationId xmlns="" xmlns:a16="http://schemas.microsoft.com/office/drawing/2014/main" id="{3FA00699-5178-465A-9F3F-130CF1431F70}"/>
+                <a16:creationId xmlns:a16="http://schemas.microsoft.com/office/drawing/2014/main" xmlns="" id="{3FA00699-5178-465A-9F3F-130CF1431F70}"/>
               </a:ext>
             </a:extLst>
           </p:cNvPr>
@@ -36300,7 +36269,7 @@
           <p:cNvPr id="28" name="직사각형 27">
             <a:extLst>
               <a:ext uri="{FF2B5EF4-FFF2-40B4-BE49-F238E27FC236}">
-                <a16:creationId xmlns="" xmlns:a16="http://schemas.microsoft.com/office/drawing/2014/main" id="{3FA00699-5178-465A-9F3F-130CF1431F70}"/>
+                <a16:creationId xmlns:a16="http://schemas.microsoft.com/office/drawing/2014/main" xmlns="" id="{3FA00699-5178-465A-9F3F-130CF1431F70}"/>
               </a:ext>
             </a:extLst>
           </p:cNvPr>
@@ -37501,7 +37470,7 @@
           <p:cNvPr id="30" name="직사각형 29">
             <a:extLst>
               <a:ext uri="{FF2B5EF4-FFF2-40B4-BE49-F238E27FC236}">
-                <a16:creationId xmlns="" xmlns:a16="http://schemas.microsoft.com/office/drawing/2014/main" id="{3FA00699-5178-465A-9F3F-130CF1431F70}"/>
+                <a16:creationId xmlns:a16="http://schemas.microsoft.com/office/drawing/2014/main" xmlns="" id="{3FA00699-5178-465A-9F3F-130CF1431F70}"/>
               </a:ext>
             </a:extLst>
           </p:cNvPr>
@@ -38686,7 +38655,7 @@
           <p:cNvPr id="59" name="직사각형 58">
             <a:extLst>
               <a:ext uri="{FF2B5EF4-FFF2-40B4-BE49-F238E27FC236}">
-                <a16:creationId xmlns="" xmlns:a16="http://schemas.microsoft.com/office/drawing/2014/main" id="{3FA00699-5178-465A-9F3F-130CF1431F70}"/>
+                <a16:creationId xmlns:a16="http://schemas.microsoft.com/office/drawing/2014/main" xmlns="" id="{3FA00699-5178-465A-9F3F-130CF1431F70}"/>
               </a:ext>
             </a:extLst>
           </p:cNvPr>
@@ -39871,7 +39840,7 @@
           <p:cNvPr id="54" name="직사각형 53">
             <a:extLst>
               <a:ext uri="{FF2B5EF4-FFF2-40B4-BE49-F238E27FC236}">
-                <a16:creationId xmlns="" xmlns:a16="http://schemas.microsoft.com/office/drawing/2014/main" id="{3FA00699-5178-465A-9F3F-130CF1431F70}"/>
+                <a16:creationId xmlns:a16="http://schemas.microsoft.com/office/drawing/2014/main" xmlns="" id="{3FA00699-5178-465A-9F3F-130CF1431F70}"/>
               </a:ext>
             </a:extLst>
           </p:cNvPr>
@@ -40264,7 +40233,7 @@
   <a:extraClrSchemeLst/>
   <a:extLst>
     <a:ext uri="{05A4C25C-085E-4340-85A3-A5531E510DB2}">
-      <thm15:themeFamily xmlns="" xmlns:thm15="http://schemas.microsoft.com/office/thememl/2012/main" name="Office Theme" id="{62F939B6-93AF-4DB8-9C6B-D6C7DFDC589F}" vid="{4A3C46E8-61CC-4603-A589-7422A47A8E4A}"/>
+      <thm15:themeFamily xmlns:thm15="http://schemas.microsoft.com/office/thememl/2012/main" xmlns="" name="Office Theme" id="{62F939B6-93AF-4DB8-9C6B-D6C7DFDC589F}" vid="{4A3C46E8-61CC-4603-A589-7422A47A8E4A}"/>
     </a:ext>
   </a:extLst>
 </a:theme>
